--- a/figures/ModifyManuFig.pptx
+++ b/figures/ModifyManuFig.pptx
@@ -8,7 +8,7 @@
     <p:notesMasterId r:id="rId3"/>
   </p:notesMasterIdLst>
   <p:sldIdLst>
-    <p:sldId id="258" r:id="rId2"/>
+    <p:sldId id="259" r:id="rId2"/>
   </p:sldIdLst>
   <p:sldSz cx="9144000" cy="6858000" type="screen4x3"/>
   <p:notesSz cx="6858000" cy="9144000"/>
@@ -118,7 +118,7 @@
 <file path=ppt/revisionInfo.xml><?xml version="1.0" encoding="utf-8"?>
 <p1510:revInfo xmlns:a="http://schemas.openxmlformats.org/drawingml/2006/main" xmlns:r="http://schemas.openxmlformats.org/officeDocument/2006/relationships" xmlns:p1510="http://schemas.microsoft.com/office/powerpoint/2015/10/main">
   <p1510:revLst>
-    <p1510:client id="{6FD01FD2-F7BA-483A-8377-609D0B5A26A8}" v="3" dt="2025-09-02T14:49:56.074"/>
+    <p1510:client id="{311FE0B7-3E49-4A7F-AC90-3DEE105E518B}" v="5" dt="2025-09-17T17:53:32.481"/>
   </p1510:revLst>
 </p1510:revInfo>
 </file>
@@ -144,6 +144,22 @@
         <pc:sldMkLst>
           <pc:docMk/>
           <pc:sldMk cId="2286911470" sldId="258"/>
+        </pc:sldMkLst>
+      </pc:sldChg>
+    </pc:docChg>
+  </pc:docChgLst>
+  <pc:docChgLst>
+    <pc:chgData name="Buysse, Sophie" userId="b97a91af-7430-4a7c-b7aa-bedf51cd7b1e" providerId="ADAL" clId="{EB046D2A-6B33-462D-8F63-6F8BC08B433F}"/>
+    <pc:docChg chg="undo custSel addSld modSld">
+      <pc:chgData name="Buysse, Sophie" userId="b97a91af-7430-4a7c-b7aa-bedf51cd7b1e" providerId="ADAL" clId="{EB046D2A-6B33-462D-8F63-6F8BC08B433F}" dt="2025-09-10T15:51:09.294" v="65" actId="14100"/>
+      <pc:docMkLst>
+        <pc:docMk/>
+      </pc:docMkLst>
+      <pc:sldChg chg="delSp modSp add mod">
+        <pc:chgData name="Buysse, Sophie" userId="b97a91af-7430-4a7c-b7aa-bedf51cd7b1e" providerId="ADAL" clId="{EB046D2A-6B33-462D-8F63-6F8BC08B433F}" dt="2025-09-10T15:51:09.294" v="65" actId="14100"/>
+        <pc:sldMkLst>
+          <pc:docMk/>
+          <pc:sldMk cId="881087358" sldId="259"/>
         </pc:sldMkLst>
       </pc:sldChg>
     </pc:docChg>
@@ -182,27 +198,27 @@
   </pc:docChgLst>
   <pc:docChgLst>
     <pc:chgData name="Buysse, Sophie" userId="b97a91af-7430-4a7c-b7aa-bedf51cd7b1e" providerId="ADAL" clId="{6B0F7634-5223-4B4C-A449-3A9BCFA03F55}"/>
-    <pc:docChg chg="modSld">
-      <pc:chgData name="Buysse, Sophie" userId="b97a91af-7430-4a7c-b7aa-bedf51cd7b1e" providerId="ADAL" clId="{6B0F7634-5223-4B4C-A449-3A9BCFA03F55}" dt="2025-09-02T14:50:03.041" v="26" actId="1037"/>
+    <pc:docChg chg="undo redo custSel addSld delSld modSld">
+      <pc:chgData name="Buysse, Sophie" userId="b97a91af-7430-4a7c-b7aa-bedf51cd7b1e" providerId="ADAL" clId="{6B0F7634-5223-4B4C-A449-3A9BCFA03F55}" dt="2025-09-17T17:54:54.001" v="180" actId="1037"/>
       <pc:docMkLst>
         <pc:docMk/>
       </pc:docMkLst>
-      <pc:sldChg chg="addSp modSp mod">
-        <pc:chgData name="Buysse, Sophie" userId="b97a91af-7430-4a7c-b7aa-bedf51cd7b1e" providerId="ADAL" clId="{6B0F7634-5223-4B4C-A449-3A9BCFA03F55}" dt="2025-09-02T14:50:03.041" v="26" actId="1037"/>
+      <pc:sldChg chg="addSp delSp modSp del mod">
+        <pc:chgData name="Buysse, Sophie" userId="b97a91af-7430-4a7c-b7aa-bedf51cd7b1e" providerId="ADAL" clId="{6B0F7634-5223-4B4C-A449-3A9BCFA03F55}" dt="2025-09-17T17:54:19.624" v="166" actId="47"/>
         <pc:sldMkLst>
           <pc:docMk/>
           <pc:sldMk cId="2286911470" sldId="258"/>
         </pc:sldMkLst>
-        <pc:spChg chg="add mod">
-          <ac:chgData name="Buysse, Sophie" userId="b97a91af-7430-4a7c-b7aa-bedf51cd7b1e" providerId="ADAL" clId="{6B0F7634-5223-4B4C-A449-3A9BCFA03F55}" dt="2025-09-02T14:49:31.173" v="8" actId="1036"/>
+        <pc:spChg chg="add del mod">
+          <ac:chgData name="Buysse, Sophie" userId="b97a91af-7430-4a7c-b7aa-bedf51cd7b1e" providerId="ADAL" clId="{6B0F7634-5223-4B4C-A449-3A9BCFA03F55}" dt="2025-09-17T17:30:51.402" v="144" actId="693"/>
           <ac:spMkLst>
             <pc:docMk/>
             <pc:sldMk cId="2286911470" sldId="258"/>
             <ac:spMk id="2" creationId="{08903B36-F24A-73BD-E6DA-5D8E919DB915}"/>
           </ac:spMkLst>
         </pc:spChg>
-        <pc:spChg chg="add mod">
-          <ac:chgData name="Buysse, Sophie" userId="b97a91af-7430-4a7c-b7aa-bedf51cd7b1e" providerId="ADAL" clId="{6B0F7634-5223-4B4C-A449-3A9BCFA03F55}" dt="2025-09-02T14:49:47.146" v="10" actId="1076"/>
+        <pc:spChg chg="add del mod">
+          <ac:chgData name="Buysse, Sophie" userId="b97a91af-7430-4a7c-b7aa-bedf51cd7b1e" providerId="ADAL" clId="{6B0F7634-5223-4B4C-A449-3A9BCFA03F55}" dt="2025-09-17T17:30:51.402" v="144" actId="693"/>
           <ac:spMkLst>
             <pc:docMk/>
             <pc:sldMk cId="2286911470" sldId="258"/>
@@ -210,7 +226,7 @@
           </ac:spMkLst>
         </pc:spChg>
         <pc:spChg chg="add mod">
-          <ac:chgData name="Buysse, Sophie" userId="b97a91af-7430-4a7c-b7aa-bedf51cd7b1e" providerId="ADAL" clId="{6B0F7634-5223-4B4C-A449-3A9BCFA03F55}" dt="2025-09-02T14:49:54.613" v="12" actId="1076"/>
+          <ac:chgData name="Buysse, Sophie" userId="b97a91af-7430-4a7c-b7aa-bedf51cd7b1e" providerId="ADAL" clId="{6B0F7634-5223-4B4C-A449-3A9BCFA03F55}" dt="2025-09-17T17:30:51.402" v="144" actId="693"/>
           <ac:spMkLst>
             <pc:docMk/>
             <pc:sldMk cId="2286911470" sldId="258"/>
@@ -218,13 +234,266 @@
           </ac:spMkLst>
         </pc:spChg>
         <pc:spChg chg="add mod">
-          <ac:chgData name="Buysse, Sophie" userId="b97a91af-7430-4a7c-b7aa-bedf51cd7b1e" providerId="ADAL" clId="{6B0F7634-5223-4B4C-A449-3A9BCFA03F55}" dt="2025-09-02T14:50:03.041" v="26" actId="1037"/>
+          <ac:chgData name="Buysse, Sophie" userId="b97a91af-7430-4a7c-b7aa-bedf51cd7b1e" providerId="ADAL" clId="{6B0F7634-5223-4B4C-A449-3A9BCFA03F55}" dt="2025-09-17T17:30:51.402" v="144" actId="693"/>
           <ac:spMkLst>
             <pc:docMk/>
             <pc:sldMk cId="2286911470" sldId="258"/>
             <ac:spMk id="7" creationId="{7742D0BD-FB0E-A2A3-456B-E61A7505C0FD}"/>
           </ac:spMkLst>
         </pc:spChg>
+        <pc:spChg chg="mod">
+          <ac:chgData name="Buysse, Sophie" userId="b97a91af-7430-4a7c-b7aa-bedf51cd7b1e" providerId="ADAL" clId="{6B0F7634-5223-4B4C-A449-3A9BCFA03F55}" dt="2025-09-17T17:29:34.306" v="138" actId="20577"/>
+          <ac:spMkLst>
+            <pc:docMk/>
+            <pc:sldMk cId="2286911470" sldId="258"/>
+            <ac:spMk id="11" creationId="{729DE03A-DBC3-E875-DAC9-3C7D2C0E6A80}"/>
+          </ac:spMkLst>
+        </pc:spChg>
+        <pc:spChg chg="mod">
+          <ac:chgData name="Buysse, Sophie" userId="b97a91af-7430-4a7c-b7aa-bedf51cd7b1e" providerId="ADAL" clId="{6B0F7634-5223-4B4C-A449-3A9BCFA03F55}" dt="2025-09-17T17:29:32.497" v="137" actId="20577"/>
+          <ac:spMkLst>
+            <pc:docMk/>
+            <pc:sldMk cId="2286911470" sldId="258"/>
+            <ac:spMk id="12" creationId="{545569E1-6972-B140-E8C8-CC99659DFB8F}"/>
+          </ac:spMkLst>
+        </pc:spChg>
+        <pc:spChg chg="add del mod">
+          <ac:chgData name="Buysse, Sophie" userId="b97a91af-7430-4a7c-b7aa-bedf51cd7b1e" providerId="ADAL" clId="{6B0F7634-5223-4B4C-A449-3A9BCFA03F55}" dt="2025-09-17T17:29:45.027" v="142" actId="20577"/>
+          <ac:spMkLst>
+            <pc:docMk/>
+            <pc:sldMk cId="2286911470" sldId="258"/>
+            <ac:spMk id="13" creationId="{F4B561C8-EB02-2887-F85F-02C9A59CEF04}"/>
+          </ac:spMkLst>
+        </pc:spChg>
+        <pc:spChg chg="mod">
+          <ac:chgData name="Buysse, Sophie" userId="b97a91af-7430-4a7c-b7aa-bedf51cd7b1e" providerId="ADAL" clId="{6B0F7634-5223-4B4C-A449-3A9BCFA03F55}" dt="2025-09-17T17:29:39.970" v="140" actId="20577"/>
+          <ac:spMkLst>
+            <pc:docMk/>
+            <pc:sldMk cId="2286911470" sldId="258"/>
+            <ac:spMk id="14" creationId="{83C990FE-AE61-217B-4D3A-D97531231F67}"/>
+          </ac:spMkLst>
+        </pc:spChg>
+        <pc:picChg chg="add del mod">
+          <ac:chgData name="Buysse, Sophie" userId="b97a91af-7430-4a7c-b7aa-bedf51cd7b1e" providerId="ADAL" clId="{6B0F7634-5223-4B4C-A449-3A9BCFA03F55}" dt="2025-09-17T17:52:43.708" v="151" actId="478"/>
+          <ac:picMkLst>
+            <pc:docMk/>
+            <pc:sldMk cId="2286911470" sldId="258"/>
+            <ac:picMk id="9" creationId="{0589D684-6A95-4409-A2AA-4E3DF39FC020}"/>
+          </ac:picMkLst>
+        </pc:picChg>
+      </pc:sldChg>
+      <pc:sldChg chg="addSp modSp del mod">
+        <pc:chgData name="Buysse, Sophie" userId="b97a91af-7430-4a7c-b7aa-bedf51cd7b1e" providerId="ADAL" clId="{6B0F7634-5223-4B4C-A449-3A9BCFA03F55}" dt="2025-09-17T17:31:05.733" v="145" actId="47"/>
+        <pc:sldMkLst>
+          <pc:docMk/>
+          <pc:sldMk cId="881087358" sldId="259"/>
+        </pc:sldMkLst>
+        <pc:spChg chg="mod">
+          <ac:chgData name="Buysse, Sophie" userId="b97a91af-7430-4a7c-b7aa-bedf51cd7b1e" providerId="ADAL" clId="{6B0F7634-5223-4B4C-A449-3A9BCFA03F55}" dt="2025-09-17T17:27:57.496" v="121" actId="164"/>
+          <ac:spMkLst>
+            <pc:docMk/>
+            <pc:sldMk cId="881087358" sldId="259"/>
+            <ac:spMk id="2" creationId="{0C1DE483-AA11-18F5-CFA4-5B5739958D4F}"/>
+          </ac:spMkLst>
+        </pc:spChg>
+        <pc:spChg chg="mod">
+          <ac:chgData name="Buysse, Sophie" userId="b97a91af-7430-4a7c-b7aa-bedf51cd7b1e" providerId="ADAL" clId="{6B0F7634-5223-4B4C-A449-3A9BCFA03F55}" dt="2025-09-17T17:28:49.033" v="131" actId="113"/>
+          <ac:spMkLst>
+            <pc:docMk/>
+            <pc:sldMk cId="881087358" sldId="259"/>
+            <ac:spMk id="11" creationId="{FF9A1E43-881E-270B-42C8-94D089378ABF}"/>
+          </ac:spMkLst>
+        </pc:spChg>
+        <pc:spChg chg="mod">
+          <ac:chgData name="Buysse, Sophie" userId="b97a91af-7430-4a7c-b7aa-bedf51cd7b1e" providerId="ADAL" clId="{6B0F7634-5223-4B4C-A449-3A9BCFA03F55}" dt="2025-09-17T17:28:52.563" v="132" actId="113"/>
+          <ac:spMkLst>
+            <pc:docMk/>
+            <pc:sldMk cId="881087358" sldId="259"/>
+            <ac:spMk id="12" creationId="{263107E1-2A18-01AA-80A4-AF2715C44083}"/>
+          </ac:spMkLst>
+        </pc:spChg>
+        <pc:spChg chg="mod">
+          <ac:chgData name="Buysse, Sophie" userId="b97a91af-7430-4a7c-b7aa-bedf51cd7b1e" providerId="ADAL" clId="{6B0F7634-5223-4B4C-A449-3A9BCFA03F55}" dt="2025-09-17T17:28:45.671" v="130" actId="113"/>
+          <ac:spMkLst>
+            <pc:docMk/>
+            <pc:sldMk cId="881087358" sldId="259"/>
+            <ac:spMk id="13" creationId="{75D2DF21-FBD9-8993-5016-D3863C6124D8}"/>
+          </ac:spMkLst>
+        </pc:spChg>
+        <pc:spChg chg="mod">
+          <ac:chgData name="Buysse, Sophie" userId="b97a91af-7430-4a7c-b7aa-bedf51cd7b1e" providerId="ADAL" clId="{6B0F7634-5223-4B4C-A449-3A9BCFA03F55}" dt="2025-09-17T17:28:34.055" v="129" actId="113"/>
+          <ac:spMkLst>
+            <pc:docMk/>
+            <pc:sldMk cId="881087358" sldId="259"/>
+            <ac:spMk id="14" creationId="{12AA7865-4C0C-1311-A593-DF5E6B1F86F8}"/>
+          </ac:spMkLst>
+        </pc:spChg>
+        <pc:grpChg chg="add mod">
+          <ac:chgData name="Buysse, Sophie" userId="b97a91af-7430-4a7c-b7aa-bedf51cd7b1e" providerId="ADAL" clId="{6B0F7634-5223-4B4C-A449-3A9BCFA03F55}" dt="2025-09-17T17:28:03.142" v="122" actId="12788"/>
+          <ac:grpSpMkLst>
+            <pc:docMk/>
+            <pc:sldMk cId="881087358" sldId="259"/>
+            <ac:grpSpMk id="4" creationId="{9B3F15C4-D529-DB75-6B8C-8AE379016963}"/>
+          </ac:grpSpMkLst>
+        </pc:grpChg>
+        <pc:picChg chg="mod">
+          <ac:chgData name="Buysse, Sophie" userId="b97a91af-7430-4a7c-b7aa-bedf51cd7b1e" providerId="ADAL" clId="{6B0F7634-5223-4B4C-A449-3A9BCFA03F55}" dt="2025-09-17T17:27:57.496" v="121" actId="164"/>
+          <ac:picMkLst>
+            <pc:docMk/>
+            <pc:sldMk cId="881087358" sldId="259"/>
+            <ac:picMk id="3" creationId="{5506B34F-660C-947B-D63D-85FD8755196D}"/>
+          </ac:picMkLst>
+        </pc:picChg>
+      </pc:sldChg>
+      <pc:sldChg chg="addSp delSp modSp add mod">
+        <pc:chgData name="Buysse, Sophie" userId="b97a91af-7430-4a7c-b7aa-bedf51cd7b1e" providerId="ADAL" clId="{6B0F7634-5223-4B4C-A449-3A9BCFA03F55}" dt="2025-09-17T17:54:54.001" v="180" actId="1037"/>
+        <pc:sldMkLst>
+          <pc:docMk/>
+          <pc:sldMk cId="2494983960" sldId="259"/>
+        </pc:sldMkLst>
+        <pc:spChg chg="mod">
+          <ac:chgData name="Buysse, Sophie" userId="b97a91af-7430-4a7c-b7aa-bedf51cd7b1e" providerId="ADAL" clId="{6B0F7634-5223-4B4C-A449-3A9BCFA03F55}" dt="2025-09-17T17:54:54.001" v="180" actId="1037"/>
+          <ac:spMkLst>
+            <pc:docMk/>
+            <pc:sldMk cId="2494983960" sldId="259"/>
+            <ac:spMk id="2" creationId="{4871A27D-87E2-1FB9-0034-9CC6B5EAD8B0}"/>
+          </ac:spMkLst>
+        </pc:spChg>
+        <pc:spChg chg="mod">
+          <ac:chgData name="Buysse, Sophie" userId="b97a91af-7430-4a7c-b7aa-bedf51cd7b1e" providerId="ADAL" clId="{6B0F7634-5223-4B4C-A449-3A9BCFA03F55}" dt="2025-09-17T17:54:54.001" v="180" actId="1037"/>
+          <ac:spMkLst>
+            <pc:docMk/>
+            <pc:sldMk cId="2494983960" sldId="259"/>
+            <ac:spMk id="4" creationId="{D8128919-0A99-B36C-A289-43A687041541}"/>
+          </ac:spMkLst>
+        </pc:spChg>
+        <pc:spChg chg="mod">
+          <ac:chgData name="Buysse, Sophie" userId="b97a91af-7430-4a7c-b7aa-bedf51cd7b1e" providerId="ADAL" clId="{6B0F7634-5223-4B4C-A449-3A9BCFA03F55}" dt="2025-09-17T17:54:54.001" v="180" actId="1037"/>
+          <ac:spMkLst>
+            <pc:docMk/>
+            <pc:sldMk cId="2494983960" sldId="259"/>
+            <ac:spMk id="5" creationId="{A6F9ABBB-DCEF-D167-AA64-3299D9879855}"/>
+          </ac:spMkLst>
+        </pc:spChg>
+        <pc:spChg chg="mod">
+          <ac:chgData name="Buysse, Sophie" userId="b97a91af-7430-4a7c-b7aa-bedf51cd7b1e" providerId="ADAL" clId="{6B0F7634-5223-4B4C-A449-3A9BCFA03F55}" dt="2025-09-17T17:54:54.001" v="180" actId="1037"/>
+          <ac:spMkLst>
+            <pc:docMk/>
+            <pc:sldMk cId="2494983960" sldId="259"/>
+            <ac:spMk id="7" creationId="{6FCB2F24-C34E-4186-462A-C7589BA85484}"/>
+          </ac:spMkLst>
+        </pc:spChg>
+        <pc:spChg chg="mod">
+          <ac:chgData name="Buysse, Sophie" userId="b97a91af-7430-4a7c-b7aa-bedf51cd7b1e" providerId="ADAL" clId="{6B0F7634-5223-4B4C-A449-3A9BCFA03F55}" dt="2025-09-17T17:54:54.001" v="180" actId="1037"/>
+          <ac:spMkLst>
+            <pc:docMk/>
+            <pc:sldMk cId="2494983960" sldId="259"/>
+            <ac:spMk id="11" creationId="{34BB6DE3-758C-FC73-1DB2-41ABDE148539}"/>
+          </ac:spMkLst>
+        </pc:spChg>
+        <pc:spChg chg="mod">
+          <ac:chgData name="Buysse, Sophie" userId="b97a91af-7430-4a7c-b7aa-bedf51cd7b1e" providerId="ADAL" clId="{6B0F7634-5223-4B4C-A449-3A9BCFA03F55}" dt="2025-09-17T17:54:54.001" v="180" actId="1037"/>
+          <ac:spMkLst>
+            <pc:docMk/>
+            <pc:sldMk cId="2494983960" sldId="259"/>
+            <ac:spMk id="12" creationId="{54CE4811-7F49-7A05-6A65-33603E1CF01F}"/>
+          </ac:spMkLst>
+        </pc:spChg>
+        <pc:spChg chg="mod">
+          <ac:chgData name="Buysse, Sophie" userId="b97a91af-7430-4a7c-b7aa-bedf51cd7b1e" providerId="ADAL" clId="{6B0F7634-5223-4B4C-A449-3A9BCFA03F55}" dt="2025-09-17T17:54:54.001" v="180" actId="1037"/>
+          <ac:spMkLst>
+            <pc:docMk/>
+            <pc:sldMk cId="2494983960" sldId="259"/>
+            <ac:spMk id="13" creationId="{AA45AB9E-DBC1-20C2-5600-12B0DB369DF8}"/>
+          </ac:spMkLst>
+        </pc:spChg>
+        <pc:spChg chg="mod">
+          <ac:chgData name="Buysse, Sophie" userId="b97a91af-7430-4a7c-b7aa-bedf51cd7b1e" providerId="ADAL" clId="{6B0F7634-5223-4B4C-A449-3A9BCFA03F55}" dt="2025-09-17T17:54:54.001" v="180" actId="1037"/>
+          <ac:spMkLst>
+            <pc:docMk/>
+            <pc:sldMk cId="2494983960" sldId="259"/>
+            <ac:spMk id="14" creationId="{1D372573-3271-1907-DA47-AD88B684C1AA}"/>
+          </ac:spMkLst>
+        </pc:spChg>
+        <pc:grpChg chg="add mod ord">
+          <ac:chgData name="Buysse, Sophie" userId="b97a91af-7430-4a7c-b7aa-bedf51cd7b1e" providerId="ADAL" clId="{6B0F7634-5223-4B4C-A449-3A9BCFA03F55}" dt="2025-09-17T17:53:46.491" v="165" actId="167"/>
+          <ac:grpSpMkLst>
+            <pc:docMk/>
+            <pc:sldMk cId="2494983960" sldId="259"/>
+            <ac:grpSpMk id="10" creationId="{E6DBD02B-7AA6-7A52-BA26-27135B7F3FFA}"/>
+          </ac:grpSpMkLst>
+        </pc:grpChg>
+        <pc:picChg chg="del">
+          <ac:chgData name="Buysse, Sophie" userId="b97a91af-7430-4a7c-b7aa-bedf51cd7b1e" providerId="ADAL" clId="{6B0F7634-5223-4B4C-A449-3A9BCFA03F55}" dt="2025-09-17T17:52:49.377" v="153" actId="478"/>
+          <ac:picMkLst>
+            <pc:docMk/>
+            <pc:sldMk cId="2494983960" sldId="259"/>
+            <ac:picMk id="6" creationId="{A16BA770-3648-008A-2DC4-3149CF6A6DD2}"/>
+          </ac:picMkLst>
+        </pc:picChg>
+        <pc:picChg chg="add mod modCrop">
+          <ac:chgData name="Buysse, Sophie" userId="b97a91af-7430-4a7c-b7aa-bedf51cd7b1e" providerId="ADAL" clId="{6B0F7634-5223-4B4C-A449-3A9BCFA03F55}" dt="2025-09-17T17:53:32.481" v="162" actId="164"/>
+          <ac:picMkLst>
+            <pc:docMk/>
+            <pc:sldMk cId="2494983960" sldId="259"/>
+            <ac:picMk id="8" creationId="{092925A1-9778-4B64-DA03-87355D8F8F6E}"/>
+          </ac:picMkLst>
+        </pc:picChg>
+        <pc:picChg chg="mod ord modCrop">
+          <ac:chgData name="Buysse, Sophie" userId="b97a91af-7430-4a7c-b7aa-bedf51cd7b1e" providerId="ADAL" clId="{6B0F7634-5223-4B4C-A449-3A9BCFA03F55}" dt="2025-09-17T17:53:43.203" v="164" actId="732"/>
+          <ac:picMkLst>
+            <pc:docMk/>
+            <pc:sldMk cId="2494983960" sldId="259"/>
+            <ac:picMk id="9" creationId="{6D20C6A0-A6AC-A88B-83D5-8B733EA6E4AD}"/>
+          </ac:picMkLst>
+        </pc:picChg>
+        <pc:picChg chg="del">
+          <ac:chgData name="Buysse, Sophie" userId="b97a91af-7430-4a7c-b7aa-bedf51cd7b1e" providerId="ADAL" clId="{6B0F7634-5223-4B4C-A449-3A9BCFA03F55}" dt="2025-09-17T17:52:51.408" v="154" actId="478"/>
+          <ac:picMkLst>
+            <pc:docMk/>
+            <pc:sldMk cId="2494983960" sldId="259"/>
+            <ac:picMk id="15" creationId="{70B43A13-A2AB-168F-773E-DC0403777A82}"/>
+          </ac:picMkLst>
+        </pc:picChg>
+      </pc:sldChg>
+      <pc:sldChg chg="addSp delSp modSp add del mod">
+        <pc:chgData name="Buysse, Sophie" userId="b97a91af-7430-4a7c-b7aa-bedf51cd7b1e" providerId="ADAL" clId="{6B0F7634-5223-4B4C-A449-3A9BCFA03F55}" dt="2025-09-17T17:25:12.438" v="93" actId="47"/>
+        <pc:sldMkLst>
+          <pc:docMk/>
+          <pc:sldMk cId="3587344491" sldId="260"/>
+        </pc:sldMkLst>
+        <pc:spChg chg="del">
+          <ac:chgData name="Buysse, Sophie" userId="b97a91af-7430-4a7c-b7aa-bedf51cd7b1e" providerId="ADAL" clId="{6B0F7634-5223-4B4C-A449-3A9BCFA03F55}" dt="2025-09-17T17:19:26.662" v="30" actId="478"/>
+          <ac:spMkLst>
+            <pc:docMk/>
+            <pc:sldMk cId="3587344491" sldId="260"/>
+            <ac:spMk id="2" creationId="{4715305C-5766-3B98-6365-15203DACBA60}"/>
+          </ac:spMkLst>
+        </pc:spChg>
+        <pc:picChg chg="add del">
+          <ac:chgData name="Buysse, Sophie" userId="b97a91af-7430-4a7c-b7aa-bedf51cd7b1e" providerId="ADAL" clId="{6B0F7634-5223-4B4C-A449-3A9BCFA03F55}" dt="2025-09-17T17:19:24.533" v="29" actId="478"/>
+          <ac:picMkLst>
+            <pc:docMk/>
+            <pc:sldMk cId="3587344491" sldId="260"/>
+            <ac:picMk id="3" creationId="{7CCCD0CF-A52F-F68F-4C9F-86A17AA587DB}"/>
+          </ac:picMkLst>
+        </pc:picChg>
+        <pc:cxnChg chg="add mod">
+          <ac:chgData name="Buysse, Sophie" userId="b97a91af-7430-4a7c-b7aa-bedf51cd7b1e" providerId="ADAL" clId="{6B0F7634-5223-4B4C-A449-3A9BCFA03F55}" dt="2025-09-17T17:19:45.105" v="40" actId="14100"/>
+          <ac:cxnSpMkLst>
+            <pc:docMk/>
+            <pc:sldMk cId="3587344491" sldId="260"/>
+            <ac:cxnSpMk id="5" creationId="{B46D1586-F454-AA16-A5A1-2CA530BD338F}"/>
+          </ac:cxnSpMkLst>
+        </pc:cxnChg>
+        <pc:cxnChg chg="add mod">
+          <ac:chgData name="Buysse, Sophie" userId="b97a91af-7430-4a7c-b7aa-bedf51cd7b1e" providerId="ADAL" clId="{6B0F7634-5223-4B4C-A449-3A9BCFA03F55}" dt="2025-09-17T17:19:52.808" v="42" actId="1076"/>
+          <ac:cxnSpMkLst>
+            <pc:docMk/>
+            <pc:sldMk cId="3587344491" sldId="260"/>
+            <ac:cxnSpMk id="8" creationId="{53CEF965-A11F-2DF6-E106-E1BCC2C9DF58}"/>
+          </ac:cxnSpMkLst>
+        </pc:cxnChg>
       </pc:sldChg>
     </pc:docChg>
   </pc:docChgLst>
@@ -313,7 +582,7 @@
           <a:p>
             <a:fld id="{FCE280AA-0C2A-4069-A119-BDCC5239DA71}" type="datetimeFigureOut">
               <a:rPr lang="en-US" smtClean="0"/>
-              <a:t>9/2/2025</a:t>
+              <a:t>9/17/2025</a:t>
             </a:fld>
             <a:endParaRPr lang="en-US"/>
           </a:p>
@@ -711,7 +980,7 @@
           <a:p>
             <a:fld id="{87EB6CD3-722C-4BDC-806F-3D55B801620C}" type="datetimeFigureOut">
               <a:rPr lang="en-US" smtClean="0"/>
-              <a:t>9/2/2025</a:t>
+              <a:t>9/17/2025</a:t>
             </a:fld>
             <a:endParaRPr lang="en-US"/>
           </a:p>
@@ -881,7 +1150,7 @@
           <a:p>
             <a:fld id="{87EB6CD3-722C-4BDC-806F-3D55B801620C}" type="datetimeFigureOut">
               <a:rPr lang="en-US" smtClean="0"/>
-              <a:t>9/2/2025</a:t>
+              <a:t>9/17/2025</a:t>
             </a:fld>
             <a:endParaRPr lang="en-US"/>
           </a:p>
@@ -1061,7 +1330,7 @@
           <a:p>
             <a:fld id="{87EB6CD3-722C-4BDC-806F-3D55B801620C}" type="datetimeFigureOut">
               <a:rPr lang="en-US" smtClean="0"/>
-              <a:t>9/2/2025</a:t>
+              <a:t>9/17/2025</a:t>
             </a:fld>
             <a:endParaRPr lang="en-US"/>
           </a:p>
@@ -1231,7 +1500,7 @@
           <a:p>
             <a:fld id="{87EB6CD3-722C-4BDC-806F-3D55B801620C}" type="datetimeFigureOut">
               <a:rPr lang="en-US" smtClean="0"/>
-              <a:t>9/2/2025</a:t>
+              <a:t>9/17/2025</a:t>
             </a:fld>
             <a:endParaRPr lang="en-US"/>
           </a:p>
@@ -1477,7 +1746,7 @@
           <a:p>
             <a:fld id="{87EB6CD3-722C-4BDC-806F-3D55B801620C}" type="datetimeFigureOut">
               <a:rPr lang="en-US" smtClean="0"/>
-              <a:t>9/2/2025</a:t>
+              <a:t>9/17/2025</a:t>
             </a:fld>
             <a:endParaRPr lang="en-US"/>
           </a:p>
@@ -1709,7 +1978,7 @@
           <a:p>
             <a:fld id="{87EB6CD3-722C-4BDC-806F-3D55B801620C}" type="datetimeFigureOut">
               <a:rPr lang="en-US" smtClean="0"/>
-              <a:t>9/2/2025</a:t>
+              <a:t>9/17/2025</a:t>
             </a:fld>
             <a:endParaRPr lang="en-US"/>
           </a:p>
@@ -2076,7 +2345,7 @@
           <a:p>
             <a:fld id="{87EB6CD3-722C-4BDC-806F-3D55B801620C}" type="datetimeFigureOut">
               <a:rPr lang="en-US" smtClean="0"/>
-              <a:t>9/2/2025</a:t>
+              <a:t>9/17/2025</a:t>
             </a:fld>
             <a:endParaRPr lang="en-US"/>
           </a:p>
@@ -2194,7 +2463,7 @@
           <a:p>
             <a:fld id="{87EB6CD3-722C-4BDC-806F-3D55B801620C}" type="datetimeFigureOut">
               <a:rPr lang="en-US" smtClean="0"/>
-              <a:t>9/2/2025</a:t>
+              <a:t>9/17/2025</a:t>
             </a:fld>
             <a:endParaRPr lang="en-US"/>
           </a:p>
@@ -2289,7 +2558,7 @@
           <a:p>
             <a:fld id="{87EB6CD3-722C-4BDC-806F-3D55B801620C}" type="datetimeFigureOut">
               <a:rPr lang="en-US" smtClean="0"/>
-              <a:t>9/2/2025</a:t>
+              <a:t>9/17/2025</a:t>
             </a:fld>
             <a:endParaRPr lang="en-US"/>
           </a:p>
@@ -2566,7 +2835,7 @@
           <a:p>
             <a:fld id="{87EB6CD3-722C-4BDC-806F-3D55B801620C}" type="datetimeFigureOut">
               <a:rPr lang="en-US" smtClean="0"/>
-              <a:t>9/2/2025</a:t>
+              <a:t>9/17/2025</a:t>
             </a:fld>
             <a:endParaRPr lang="en-US"/>
           </a:p>
@@ -2823,7 +3092,7 @@
           <a:p>
             <a:fld id="{87EB6CD3-722C-4BDC-806F-3D55B801620C}" type="datetimeFigureOut">
               <a:rPr lang="en-US" smtClean="0"/>
-              <a:t>9/2/2025</a:t>
+              <a:t>9/17/2025</a:t>
             </a:fld>
             <a:endParaRPr lang="en-US"/>
           </a:p>
@@ -3036,7 +3305,7 @@
           <a:p>
             <a:fld id="{87EB6CD3-722C-4BDC-806F-3D55B801620C}" type="datetimeFigureOut">
               <a:rPr lang="en-US" smtClean="0"/>
-              <a:t>9/2/2025</a:t>
+              <a:t>9/17/2025</a:t>
             </a:fld>
             <a:endParaRPr lang="en-US"/>
           </a:p>
@@ -3429,7 +3698,13 @@
   <p:cSld>
     <p:spTree>
       <p:nvGrpSpPr>
-        <p:cNvPr id="1" name=""/>
+        <p:cNvPr id="1" name="">
+          <a:extLst>
+            <a:ext uri="{FF2B5EF4-FFF2-40B4-BE49-F238E27FC236}">
+              <a16:creationId xmlns:a16="http://schemas.microsoft.com/office/drawing/2014/main" id="{AF8A858D-A4FA-1943-568C-971BD9DFA79D}"/>
+            </a:ext>
+          </a:extLst>
+        </p:cNvPr>
         <p:cNvGrpSpPr/>
         <p:nvPr/>
       </p:nvGrpSpPr>
@@ -3441,49 +3716,107 @@
           <a:chExt cx="0" cy="0"/>
         </a:xfrm>
       </p:grpSpPr>
-      <p:pic>
-        <p:nvPicPr>
-          <p:cNvPr id="6" name="Picture 5" descr="A diagram of a variety of different types of growth&#10;&#10;AI-generated content may be incorrect.">
+      <p:grpSp>
+        <p:nvGrpSpPr>
+          <p:cNvPr id="10" name="Group 9">
             <a:extLst>
               <a:ext uri="{FF2B5EF4-FFF2-40B4-BE49-F238E27FC236}">
-                <a16:creationId xmlns:a16="http://schemas.microsoft.com/office/drawing/2014/main" id="{9EE821D2-D14C-25A2-755E-B6CE301675D4}"/>
+                <a16:creationId xmlns:a16="http://schemas.microsoft.com/office/drawing/2014/main" id="{E6DBD02B-7AA6-7A52-BA26-27135B7F3FFA}"/>
               </a:ext>
             </a:extLst>
           </p:cNvPr>
-          <p:cNvPicPr>
-            <a:picLocks noChangeAspect="1"/>
-          </p:cNvPicPr>
+          <p:cNvGrpSpPr/>
           <p:nvPr/>
-        </p:nvPicPr>
-        <p:blipFill>
-          <a:blip r:embed="rId2">
-            <a:extLst>
-              <a:ext uri="{28A0092B-C50C-407E-A947-70E740481C1C}">
-                <a14:useLocalDpi xmlns:a14="http://schemas.microsoft.com/office/drawing/2010/main" val="0"/>
-              </a:ext>
-            </a:extLst>
-          </a:blip>
-          <a:srcRect l="7227" t="6732"/>
-          <a:stretch>
-            <a:fillRect/>
-          </a:stretch>
-        </p:blipFill>
-        <p:spPr>
+        </p:nvGrpSpPr>
+        <p:grpSpPr>
           <a:xfrm>
-            <a:off x="330457" y="452689"/>
-            <a:ext cx="8483085" cy="6396273"/>
+            <a:off x="42483" y="0"/>
+            <a:ext cx="8712019" cy="6858000"/>
+            <a:chOff x="431980" y="520593"/>
+            <a:chExt cx="8712019" cy="6858000"/>
           </a:xfrm>
-          <a:prstGeom prst="rect">
-            <a:avLst/>
-          </a:prstGeom>
-        </p:spPr>
-      </p:pic>
+        </p:grpSpPr>
+        <p:pic>
+          <p:nvPicPr>
+            <p:cNvPr id="9" name="Picture 8" descr="A collage of graphs showing different types of growth&#10;&#10;AI-generated content may be incorrect.">
+              <a:extLst>
+                <a:ext uri="{FF2B5EF4-FFF2-40B4-BE49-F238E27FC236}">
+                  <a16:creationId xmlns:a16="http://schemas.microsoft.com/office/drawing/2014/main" id="{6D20C6A0-A6AC-A88B-83D5-8B733EA6E4AD}"/>
+                </a:ext>
+              </a:extLst>
+            </p:cNvPr>
+            <p:cNvPicPr>
+              <a:picLocks noChangeAspect="1"/>
+            </p:cNvPicPr>
+            <p:nvPr/>
+          </p:nvPicPr>
+          <p:blipFill>
+            <a:blip r:embed="rId2">
+              <a:extLst>
+                <a:ext uri="{28A0092B-C50C-407E-A947-70E740481C1C}">
+                  <a14:useLocalDpi xmlns:a14="http://schemas.microsoft.com/office/drawing/2010/main" val="0"/>
+                </a:ext>
+              </a:extLst>
+            </a:blip>
+            <a:srcRect l="8553" t="5347"/>
+            <a:stretch>
+              <a:fillRect/>
+            </a:stretch>
+          </p:blipFill>
+          <p:spPr>
+            <a:xfrm>
+              <a:off x="782052" y="887297"/>
+              <a:ext cx="8361947" cy="6491296"/>
+            </a:xfrm>
+            <a:prstGeom prst="rect">
+              <a:avLst/>
+            </a:prstGeom>
+          </p:spPr>
+        </p:pic>
+        <p:pic>
+          <p:nvPicPr>
+            <p:cNvPr id="8" name="Picture 7" descr="A collage of graphs showing different types of growth&#10;&#10;AI-generated content may be incorrect.">
+              <a:extLst>
+                <a:ext uri="{FF2B5EF4-FFF2-40B4-BE49-F238E27FC236}">
+                  <a16:creationId xmlns:a16="http://schemas.microsoft.com/office/drawing/2014/main" id="{092925A1-9778-4B64-DA03-87355D8F8F6E}"/>
+                </a:ext>
+              </a:extLst>
+            </p:cNvPr>
+            <p:cNvPicPr>
+              <a:picLocks noChangeAspect="1"/>
+            </p:cNvPicPr>
+            <p:nvPr/>
+          </p:nvPicPr>
+          <p:blipFill>
+            <a:blip r:embed="rId2">
+              <a:extLst>
+                <a:ext uri="{28A0092B-C50C-407E-A947-70E740481C1C}">
+                  <a14:useLocalDpi xmlns:a14="http://schemas.microsoft.com/office/drawing/2010/main" val="0"/>
+                </a:ext>
+              </a:extLst>
+            </a:blip>
+            <a:srcRect r="96205"/>
+            <a:stretch>
+              <a:fillRect/>
+            </a:stretch>
+          </p:blipFill>
+          <p:spPr>
+            <a:xfrm>
+              <a:off x="431980" y="520593"/>
+              <a:ext cx="347042" cy="6858000"/>
+            </a:xfrm>
+            <a:prstGeom prst="rect">
+              <a:avLst/>
+            </a:prstGeom>
+          </p:spPr>
+        </p:pic>
+      </p:grpSp>
       <p:sp>
         <p:nvSpPr>
           <p:cNvPr id="11" name="TextBox 10">
             <a:extLst>
               <a:ext uri="{FF2B5EF4-FFF2-40B4-BE49-F238E27FC236}">
-                <a16:creationId xmlns:a16="http://schemas.microsoft.com/office/drawing/2014/main" id="{729DE03A-DBC3-E875-DAC9-3C7D2C0E6A80}"/>
+                <a16:creationId xmlns:a16="http://schemas.microsoft.com/office/drawing/2014/main" id="{34BB6DE3-758C-FC73-1DB2-41ABDE148539}"/>
               </a:ext>
             </a:extLst>
           </p:cNvPr>
@@ -3492,7 +3825,7 @@
         </p:nvSpPr>
         <p:spPr>
           <a:xfrm>
-            <a:off x="4745507" y="3562585"/>
+            <a:off x="4577059" y="3562585"/>
             <a:ext cx="1848416" cy="307777"/>
           </a:xfrm>
           <a:prstGeom prst="rect">
@@ -3514,7 +3847,7 @@
               <a:t>Pop	</a:t>
             </a:r>
             <a:r>
-              <a:rPr lang="en-US" sz="1400" b="1" dirty="0" err="1">
+              <a:rPr lang="en-US" sz="1400" dirty="0" err="1">
                 <a:latin typeface="Times New Roman" panose="02020603050405020304" pitchFamily="18" charset="0"/>
                 <a:cs typeface="Times New Roman" panose="02020603050405020304" pitchFamily="18" charset="0"/>
               </a:rPr>
@@ -3525,7 +3858,7 @@
                 <a:latin typeface="Times New Roman" panose="02020603050405020304" pitchFamily="18" charset="0"/>
                 <a:cs typeface="Times New Roman" panose="02020603050405020304" pitchFamily="18" charset="0"/>
               </a:rPr>
-              <a:t>	</a:t>
+              <a:t>*	</a:t>
             </a:r>
             <a:r>
               <a:rPr lang="en-US" sz="1400" dirty="0" err="1">
@@ -3546,7 +3879,7 @@
           <p:cNvPr id="12" name="TextBox 11">
             <a:extLst>
               <a:ext uri="{FF2B5EF4-FFF2-40B4-BE49-F238E27FC236}">
-                <a16:creationId xmlns:a16="http://schemas.microsoft.com/office/drawing/2014/main" id="{545569E1-6972-B140-E8C8-CC99659DFB8F}"/>
+                <a16:creationId xmlns:a16="http://schemas.microsoft.com/office/drawing/2014/main" id="{54CE4811-7F49-7A05-6A65-33603E1CF01F}"/>
               </a:ext>
             </a:extLst>
           </p:cNvPr>
@@ -3555,7 +3888,7 @@
         </p:nvSpPr>
         <p:spPr>
           <a:xfrm>
-            <a:off x="6965127" y="3562585"/>
+            <a:off x="6796679" y="3562585"/>
             <a:ext cx="1848416" cy="307777"/>
           </a:xfrm>
           <a:prstGeom prst="rect">
@@ -3577,7 +3910,7 @@
               <a:t>Pop	</a:t>
             </a:r>
             <a:r>
-              <a:rPr lang="en-US" sz="1400" b="1" dirty="0" err="1">
+              <a:rPr lang="en-US" sz="1400" dirty="0" err="1">
                 <a:latin typeface="Times New Roman" panose="02020603050405020304" pitchFamily="18" charset="0"/>
                 <a:cs typeface="Times New Roman" panose="02020603050405020304" pitchFamily="18" charset="0"/>
               </a:rPr>
@@ -3588,7 +3921,7 @@
                 <a:latin typeface="Times New Roman" panose="02020603050405020304" pitchFamily="18" charset="0"/>
                 <a:cs typeface="Times New Roman" panose="02020603050405020304" pitchFamily="18" charset="0"/>
               </a:rPr>
-              <a:t>	</a:t>
+              <a:t>*	</a:t>
             </a:r>
             <a:r>
               <a:rPr lang="en-US" sz="1400" dirty="0" err="1">
@@ -3609,7 +3942,7 @@
           <p:cNvPr id="13" name="TextBox 12">
             <a:extLst>
               <a:ext uri="{FF2B5EF4-FFF2-40B4-BE49-F238E27FC236}">
-                <a16:creationId xmlns:a16="http://schemas.microsoft.com/office/drawing/2014/main" id="{F4B561C8-EB02-2887-F85F-02C9A59CEF04}"/>
+                <a16:creationId xmlns:a16="http://schemas.microsoft.com/office/drawing/2014/main" id="{AA45AB9E-DBC1-20C2-5600-12B0DB369DF8}"/>
               </a:ext>
             </a:extLst>
           </p:cNvPr>
@@ -3618,7 +3951,7 @@
         </p:nvSpPr>
         <p:spPr>
           <a:xfrm>
-            <a:off x="6965127" y="366706"/>
+            <a:off x="6796679" y="366706"/>
             <a:ext cx="1848416" cy="307777"/>
           </a:xfrm>
           <a:prstGeom prst="rect">
@@ -3633,21 +3966,14 @@
           <a:lstStyle/>
           <a:p>
             <a:r>
-              <a:rPr lang="en-US" sz="1400" b="1" dirty="0">
-                <a:latin typeface="Times New Roman" panose="02020603050405020304" pitchFamily="18" charset="0"/>
-                <a:cs typeface="Times New Roman" panose="02020603050405020304" pitchFamily="18" charset="0"/>
-              </a:rPr>
-              <a:t>Pop</a:t>
-            </a:r>
-            <a:r>
               <a:rPr lang="en-US" sz="1400" dirty="0">
                 <a:latin typeface="Times New Roman" panose="02020603050405020304" pitchFamily="18" charset="0"/>
                 <a:cs typeface="Times New Roman" panose="02020603050405020304" pitchFamily="18" charset="0"/>
               </a:rPr>
-              <a:t>	</a:t>
-            </a:r>
-            <a:r>
-              <a:rPr lang="en-US" sz="1400" b="1" dirty="0" err="1">
+              <a:t>Pop*	</a:t>
+            </a:r>
+            <a:r>
+              <a:rPr lang="en-US" sz="1400" dirty="0" err="1">
                 <a:latin typeface="Times New Roman" panose="02020603050405020304" pitchFamily="18" charset="0"/>
                 <a:cs typeface="Times New Roman" panose="02020603050405020304" pitchFamily="18" charset="0"/>
               </a:rPr>
@@ -3658,7 +3984,7 @@
                 <a:latin typeface="Times New Roman" panose="02020603050405020304" pitchFamily="18" charset="0"/>
                 <a:cs typeface="Times New Roman" panose="02020603050405020304" pitchFamily="18" charset="0"/>
               </a:rPr>
-              <a:t>	</a:t>
+              <a:t>*	</a:t>
             </a:r>
             <a:r>
               <a:rPr lang="en-US" sz="1400" dirty="0" err="1">
@@ -3679,7 +4005,7 @@
           <p:cNvPr id="14" name="TextBox 13">
             <a:extLst>
               <a:ext uri="{FF2B5EF4-FFF2-40B4-BE49-F238E27FC236}">
-                <a16:creationId xmlns:a16="http://schemas.microsoft.com/office/drawing/2014/main" id="{83C990FE-AE61-217B-4D3A-D97531231F67}"/>
+                <a16:creationId xmlns:a16="http://schemas.microsoft.com/office/drawing/2014/main" id="{1D372573-3271-1907-DA47-AD88B684C1AA}"/>
               </a:ext>
             </a:extLst>
           </p:cNvPr>
@@ -3688,7 +4014,7 @@
         </p:nvSpPr>
         <p:spPr>
           <a:xfrm>
-            <a:off x="4745507" y="366706"/>
+            <a:off x="4577059" y="366706"/>
             <a:ext cx="1848416" cy="307777"/>
           </a:xfrm>
           <a:prstGeom prst="rect">
@@ -3703,21 +4029,14 @@
           <a:lstStyle/>
           <a:p>
             <a:r>
-              <a:rPr lang="en-US" sz="1400" b="1" dirty="0">
-                <a:latin typeface="Times New Roman" panose="02020603050405020304" pitchFamily="18" charset="0"/>
-                <a:cs typeface="Times New Roman" panose="02020603050405020304" pitchFamily="18" charset="0"/>
-              </a:rPr>
-              <a:t>Pop</a:t>
-            </a:r>
-            <a:r>
               <a:rPr lang="en-US" sz="1400" dirty="0">
                 <a:latin typeface="Times New Roman" panose="02020603050405020304" pitchFamily="18" charset="0"/>
                 <a:cs typeface="Times New Roman" panose="02020603050405020304" pitchFamily="18" charset="0"/>
               </a:rPr>
-              <a:t>	</a:t>
-            </a:r>
-            <a:r>
-              <a:rPr lang="en-US" sz="1400" b="1" dirty="0" err="1">
+              <a:t>Pop*	</a:t>
+            </a:r>
+            <a:r>
+              <a:rPr lang="en-US" sz="1400" dirty="0" err="1">
                 <a:latin typeface="Times New Roman" panose="02020603050405020304" pitchFamily="18" charset="0"/>
                 <a:cs typeface="Times New Roman" panose="02020603050405020304" pitchFamily="18" charset="0"/>
               </a:rPr>
@@ -3728,7 +4047,7 @@
                 <a:latin typeface="Times New Roman" panose="02020603050405020304" pitchFamily="18" charset="0"/>
                 <a:cs typeface="Times New Roman" panose="02020603050405020304" pitchFamily="18" charset="0"/>
               </a:rPr>
-              <a:t>	</a:t>
+              <a:t>*	</a:t>
             </a:r>
             <a:r>
               <a:rPr lang="en-US" sz="1400" dirty="0" err="1">
@@ -3746,10 +4065,10 @@
       </p:sp>
       <p:pic>
         <p:nvPicPr>
-          <p:cNvPr id="15" name="Picture 14" descr="A diagram of a variety of different types of growth&#10;&#10;AI-generated content may be incorrect.">
+          <p:cNvPr id="3" name="Picture 2">
             <a:extLst>
               <a:ext uri="{FF2B5EF4-FFF2-40B4-BE49-F238E27FC236}">
-                <a16:creationId xmlns:a16="http://schemas.microsoft.com/office/drawing/2014/main" id="{2EECB547-BB4C-EC55-8295-4D48D446412C}"/>
+                <a16:creationId xmlns:a16="http://schemas.microsoft.com/office/drawing/2014/main" id="{3A16E194-63D9-6ECC-69F2-6327F0A8EDE2}"/>
               </a:ext>
             </a:extLst>
           </p:cNvPr>
@@ -3760,43 +4079,6 @@
         </p:nvPicPr>
         <p:blipFill>
           <a:blip r:embed="rId3">
-            <a:extLst>
-              <a:ext uri="{28A0092B-C50C-407E-A947-70E740481C1C}">
-                <a14:useLocalDpi xmlns:a14="http://schemas.microsoft.com/office/drawing/2010/main" val="0"/>
-              </a:ext>
-            </a:extLst>
-          </a:blip>
-          <a:srcRect r="96832"/>
-          <a:stretch>
-            <a:fillRect/>
-          </a:stretch>
-        </p:blipFill>
-        <p:spPr>
-          <a:xfrm>
-            <a:off x="0" y="0"/>
-            <a:ext cx="289711" cy="6858000"/>
-          </a:xfrm>
-          <a:prstGeom prst="rect">
-            <a:avLst/>
-          </a:prstGeom>
-        </p:spPr>
-      </p:pic>
-      <p:pic>
-        <p:nvPicPr>
-          <p:cNvPr id="3" name="Picture 2">
-            <a:extLst>
-              <a:ext uri="{FF2B5EF4-FFF2-40B4-BE49-F238E27FC236}">
-                <a16:creationId xmlns:a16="http://schemas.microsoft.com/office/drawing/2014/main" id="{77E62187-1AA2-299F-3964-121BF1D020E2}"/>
-              </a:ext>
-            </a:extLst>
-          </p:cNvPr>
-          <p:cNvPicPr>
-            <a:picLocks noChangeAspect="1"/>
-          </p:cNvPicPr>
-          <p:nvPr/>
-        </p:nvPicPr>
-        <p:blipFill>
-          <a:blip r:embed="rId4">
             <a:extLst>
               <a:ext uri="{28A0092B-C50C-407E-A947-70E740481C1C}">
                 <a14:useLocalDpi xmlns:a14="http://schemas.microsoft.com/office/drawing/2010/main" val="0"/>
@@ -3822,7 +4104,7 @@
           <p:cNvPr id="2" name="Rectangle 1">
             <a:extLst>
               <a:ext uri="{FF2B5EF4-FFF2-40B4-BE49-F238E27FC236}">
-                <a16:creationId xmlns:a16="http://schemas.microsoft.com/office/drawing/2014/main" id="{08903B36-F24A-73BD-E6DA-5D8E919DB915}"/>
+                <a16:creationId xmlns:a16="http://schemas.microsoft.com/office/drawing/2014/main" id="{4871A27D-87E2-1FB9-0034-9CC6B5EAD8B0}"/>
               </a:ext>
             </a:extLst>
           </p:cNvPr>
@@ -3831,7 +4113,7 @@
         </p:nvSpPr>
         <p:spPr>
           <a:xfrm>
-            <a:off x="4772665" y="384812"/>
+            <a:off x="4604217" y="366705"/>
             <a:ext cx="1655294" cy="307777"/>
           </a:xfrm>
           <a:prstGeom prst="rect">
@@ -3842,6 +4124,7 @@
             <a:solidFill>
               <a:schemeClr val="tx1"/>
             </a:solidFill>
+            <a:prstDash val="solid"/>
           </a:ln>
         </p:spPr>
         <p:style>
@@ -3865,7 +4148,13 @@
           <a:lstStyle/>
           <a:p>
             <a:pPr algn="ctr"/>
-            <a:endParaRPr lang="en-US"/>
+            <a:endParaRPr lang="en-US">
+              <a:solidFill>
+                <a:schemeClr val="bg2">
+                  <a:lumMod val="50000"/>
+                </a:schemeClr>
+              </a:solidFill>
+            </a:endParaRPr>
           </a:p>
         </p:txBody>
       </p:sp>
@@ -3874,7 +4163,7 @@
           <p:cNvPr id="4" name="Rectangle 3">
             <a:extLst>
               <a:ext uri="{FF2B5EF4-FFF2-40B4-BE49-F238E27FC236}">
-                <a16:creationId xmlns:a16="http://schemas.microsoft.com/office/drawing/2014/main" id="{A57A80E3-4380-9FD6-BF4D-88832C4602D3}"/>
+                <a16:creationId xmlns:a16="http://schemas.microsoft.com/office/drawing/2014/main" id="{D8128919-0A99-B36C-A289-43A687041541}"/>
               </a:ext>
             </a:extLst>
           </p:cNvPr>
@@ -3883,7 +4172,7 @@
         </p:nvSpPr>
         <p:spPr>
           <a:xfrm>
-            <a:off x="6959067" y="366705"/>
+            <a:off x="6790619" y="366705"/>
             <a:ext cx="1655294" cy="307777"/>
           </a:xfrm>
           <a:prstGeom prst="rect">
@@ -3894,6 +4183,7 @@
             <a:solidFill>
               <a:schemeClr val="tx1"/>
             </a:solidFill>
+            <a:prstDash val="solid"/>
           </a:ln>
         </p:spPr>
         <p:style>
@@ -3917,7 +4207,13 @@
           <a:lstStyle/>
           <a:p>
             <a:pPr algn="ctr"/>
-            <a:endParaRPr lang="en-US"/>
+            <a:endParaRPr lang="en-US">
+              <a:solidFill>
+                <a:schemeClr val="bg2">
+                  <a:lumMod val="50000"/>
+                </a:schemeClr>
+              </a:solidFill>
+            </a:endParaRPr>
           </a:p>
         </p:txBody>
       </p:sp>
@@ -3926,7 +4222,7 @@
           <p:cNvPr id="5" name="Rectangle 4">
             <a:extLst>
               <a:ext uri="{FF2B5EF4-FFF2-40B4-BE49-F238E27FC236}">
-                <a16:creationId xmlns:a16="http://schemas.microsoft.com/office/drawing/2014/main" id="{3C825849-60DA-F90C-7DE3-8E6A67B8030D}"/>
+                <a16:creationId xmlns:a16="http://schemas.microsoft.com/office/drawing/2014/main" id="{A6F9ABBB-DCEF-D167-AA64-3299D9879855}"/>
               </a:ext>
             </a:extLst>
           </p:cNvPr>
@@ -3935,7 +4231,7 @@
         </p:nvSpPr>
         <p:spPr>
           <a:xfrm>
-            <a:off x="4772665" y="3580691"/>
+            <a:off x="4604217" y="3580691"/>
             <a:ext cx="1655294" cy="307777"/>
           </a:xfrm>
           <a:prstGeom prst="rect">
@@ -3946,6 +4242,7 @@
             <a:solidFill>
               <a:schemeClr val="tx1"/>
             </a:solidFill>
+            <a:prstDash val="solid"/>
           </a:ln>
         </p:spPr>
         <p:style>
@@ -3969,7 +4266,13 @@
           <a:lstStyle/>
           <a:p>
             <a:pPr algn="ctr"/>
-            <a:endParaRPr lang="en-US"/>
+            <a:endParaRPr lang="en-US">
+              <a:solidFill>
+                <a:schemeClr val="bg2">
+                  <a:lumMod val="50000"/>
+                </a:schemeClr>
+              </a:solidFill>
+            </a:endParaRPr>
           </a:p>
         </p:txBody>
       </p:sp>
@@ -3978,7 +4281,7 @@
           <p:cNvPr id="7" name="Rectangle 6">
             <a:extLst>
               <a:ext uri="{FF2B5EF4-FFF2-40B4-BE49-F238E27FC236}">
-                <a16:creationId xmlns:a16="http://schemas.microsoft.com/office/drawing/2014/main" id="{7742D0BD-FB0E-A2A3-456B-E61A7505C0FD}"/>
+                <a16:creationId xmlns:a16="http://schemas.microsoft.com/office/drawing/2014/main" id="{6FCB2F24-C34E-4186-462A-C7589BA85484}"/>
               </a:ext>
             </a:extLst>
           </p:cNvPr>
@@ -3987,7 +4290,7 @@
         </p:nvSpPr>
         <p:spPr>
           <a:xfrm>
-            <a:off x="6989264" y="3571621"/>
+            <a:off x="6820816" y="3571621"/>
             <a:ext cx="1655294" cy="307777"/>
           </a:xfrm>
           <a:prstGeom prst="rect">
@@ -3998,6 +4301,7 @@
             <a:solidFill>
               <a:schemeClr val="tx1"/>
             </a:solidFill>
+            <a:prstDash val="solid"/>
           </a:ln>
         </p:spPr>
         <p:style>
@@ -4021,14 +4325,20 @@
           <a:lstStyle/>
           <a:p>
             <a:pPr algn="ctr"/>
-            <a:endParaRPr lang="en-US"/>
+            <a:endParaRPr lang="en-US">
+              <a:solidFill>
+                <a:schemeClr val="bg2">
+                  <a:lumMod val="50000"/>
+                </a:schemeClr>
+              </a:solidFill>
+            </a:endParaRPr>
           </a:p>
         </p:txBody>
       </p:sp>
     </p:spTree>
     <p:extLst>
       <p:ext uri="{BB962C8B-B14F-4D97-AF65-F5344CB8AC3E}">
-        <p14:creationId xmlns:p14="http://schemas.microsoft.com/office/powerpoint/2010/main" val="2286911470"/>
+        <p14:creationId xmlns:p14="http://schemas.microsoft.com/office/powerpoint/2010/main" val="2494983960"/>
       </p:ext>
     </p:extLst>
   </p:cSld>

--- a/figures/ModifyManuFig.pptx
+++ b/figures/ModifyManuFig.pptx
@@ -8,7 +8,7 @@
     <p:notesMasterId r:id="rId3"/>
   </p:notesMasterIdLst>
   <p:sldIdLst>
-    <p:sldId id="259" r:id="rId2"/>
+    <p:sldId id="262" r:id="rId2"/>
   </p:sldIdLst>
   <p:sldSz cx="9144000" cy="6858000" type="screen4x3"/>
   <p:notesSz cx="6858000" cy="9144000"/>
@@ -118,7 +118,7 @@
 <file path=ppt/revisionInfo.xml><?xml version="1.0" encoding="utf-8"?>
 <p1510:revInfo xmlns:a="http://schemas.openxmlformats.org/drawingml/2006/main" xmlns:r="http://schemas.openxmlformats.org/officeDocument/2006/relationships" xmlns:p1510="http://schemas.microsoft.com/office/powerpoint/2015/10/main">
   <p1510:revLst>
-    <p1510:client id="{311FE0B7-3E49-4A7F-AC90-3DEE105E518B}" v="5" dt="2025-09-17T17:53:32.481"/>
+    <p1510:client id="{311FE0B7-3E49-4A7F-AC90-3DEE105E518B}" v="12" dt="2025-10-01T20:42:24.400"/>
   </p1510:revLst>
 </p1510:revInfo>
 </file>
@@ -177,29 +177,13 @@
           <pc:docMk/>
           <pc:sldMk cId="2286911470" sldId="258"/>
         </pc:sldMkLst>
-        <pc:spChg chg="mod">
-          <ac:chgData name="Buysse, Sophie" userId="b97a91af-7430-4a7c-b7aa-bedf51cd7b1e" providerId="ADAL" clId="{6FD01FD2-F7BA-483A-8377-609D0B5A26A8}" dt="2025-08-26T13:23:17.344" v="1" actId="113"/>
-          <ac:spMkLst>
-            <pc:docMk/>
-            <pc:sldMk cId="2286911470" sldId="258"/>
-            <ac:spMk id="11" creationId="{729DE03A-DBC3-E875-DAC9-3C7D2C0E6A80}"/>
-          </ac:spMkLst>
-        </pc:spChg>
-        <pc:spChg chg="mod">
-          <ac:chgData name="Buysse, Sophie" userId="b97a91af-7430-4a7c-b7aa-bedf51cd7b1e" providerId="ADAL" clId="{6FD01FD2-F7BA-483A-8377-609D0B5A26A8}" dt="2025-08-26T13:23:20.392" v="3" actId="113"/>
-          <ac:spMkLst>
-            <pc:docMk/>
-            <pc:sldMk cId="2286911470" sldId="258"/>
-            <ac:spMk id="12" creationId="{545569E1-6972-B140-E8C8-CC99659DFB8F}"/>
-          </ac:spMkLst>
-        </pc:spChg>
       </pc:sldChg>
     </pc:docChg>
   </pc:docChgLst>
   <pc:docChgLst>
     <pc:chgData name="Buysse, Sophie" userId="b97a91af-7430-4a7c-b7aa-bedf51cd7b1e" providerId="ADAL" clId="{6B0F7634-5223-4B4C-A449-3A9BCFA03F55}"/>
     <pc:docChg chg="undo redo custSel addSld delSld modSld">
-      <pc:chgData name="Buysse, Sophie" userId="b97a91af-7430-4a7c-b7aa-bedf51cd7b1e" providerId="ADAL" clId="{6B0F7634-5223-4B4C-A449-3A9BCFA03F55}" dt="2025-09-17T17:54:54.001" v="180" actId="1037"/>
+      <pc:chgData name="Buysse, Sophie" userId="b97a91af-7430-4a7c-b7aa-bedf51cd7b1e" providerId="ADAL" clId="{6B0F7634-5223-4B4C-A449-3A9BCFA03F55}" dt="2025-10-01T20:43:57.867" v="417" actId="47"/>
       <pc:docMkLst>
         <pc:docMk/>
       </pc:docMkLst>
@@ -209,78 +193,6 @@
           <pc:docMk/>
           <pc:sldMk cId="2286911470" sldId="258"/>
         </pc:sldMkLst>
-        <pc:spChg chg="add del mod">
-          <ac:chgData name="Buysse, Sophie" userId="b97a91af-7430-4a7c-b7aa-bedf51cd7b1e" providerId="ADAL" clId="{6B0F7634-5223-4B4C-A449-3A9BCFA03F55}" dt="2025-09-17T17:30:51.402" v="144" actId="693"/>
-          <ac:spMkLst>
-            <pc:docMk/>
-            <pc:sldMk cId="2286911470" sldId="258"/>
-            <ac:spMk id="2" creationId="{08903B36-F24A-73BD-E6DA-5D8E919DB915}"/>
-          </ac:spMkLst>
-        </pc:spChg>
-        <pc:spChg chg="add del mod">
-          <ac:chgData name="Buysse, Sophie" userId="b97a91af-7430-4a7c-b7aa-bedf51cd7b1e" providerId="ADAL" clId="{6B0F7634-5223-4B4C-A449-3A9BCFA03F55}" dt="2025-09-17T17:30:51.402" v="144" actId="693"/>
-          <ac:spMkLst>
-            <pc:docMk/>
-            <pc:sldMk cId="2286911470" sldId="258"/>
-            <ac:spMk id="4" creationId="{A57A80E3-4380-9FD6-BF4D-88832C4602D3}"/>
-          </ac:spMkLst>
-        </pc:spChg>
-        <pc:spChg chg="add mod">
-          <ac:chgData name="Buysse, Sophie" userId="b97a91af-7430-4a7c-b7aa-bedf51cd7b1e" providerId="ADAL" clId="{6B0F7634-5223-4B4C-A449-3A9BCFA03F55}" dt="2025-09-17T17:30:51.402" v="144" actId="693"/>
-          <ac:spMkLst>
-            <pc:docMk/>
-            <pc:sldMk cId="2286911470" sldId="258"/>
-            <ac:spMk id="5" creationId="{3C825849-60DA-F90C-7DE3-8E6A67B8030D}"/>
-          </ac:spMkLst>
-        </pc:spChg>
-        <pc:spChg chg="add mod">
-          <ac:chgData name="Buysse, Sophie" userId="b97a91af-7430-4a7c-b7aa-bedf51cd7b1e" providerId="ADAL" clId="{6B0F7634-5223-4B4C-A449-3A9BCFA03F55}" dt="2025-09-17T17:30:51.402" v="144" actId="693"/>
-          <ac:spMkLst>
-            <pc:docMk/>
-            <pc:sldMk cId="2286911470" sldId="258"/>
-            <ac:spMk id="7" creationId="{7742D0BD-FB0E-A2A3-456B-E61A7505C0FD}"/>
-          </ac:spMkLst>
-        </pc:spChg>
-        <pc:spChg chg="mod">
-          <ac:chgData name="Buysse, Sophie" userId="b97a91af-7430-4a7c-b7aa-bedf51cd7b1e" providerId="ADAL" clId="{6B0F7634-5223-4B4C-A449-3A9BCFA03F55}" dt="2025-09-17T17:29:34.306" v="138" actId="20577"/>
-          <ac:spMkLst>
-            <pc:docMk/>
-            <pc:sldMk cId="2286911470" sldId="258"/>
-            <ac:spMk id="11" creationId="{729DE03A-DBC3-E875-DAC9-3C7D2C0E6A80}"/>
-          </ac:spMkLst>
-        </pc:spChg>
-        <pc:spChg chg="mod">
-          <ac:chgData name="Buysse, Sophie" userId="b97a91af-7430-4a7c-b7aa-bedf51cd7b1e" providerId="ADAL" clId="{6B0F7634-5223-4B4C-A449-3A9BCFA03F55}" dt="2025-09-17T17:29:32.497" v="137" actId="20577"/>
-          <ac:spMkLst>
-            <pc:docMk/>
-            <pc:sldMk cId="2286911470" sldId="258"/>
-            <ac:spMk id="12" creationId="{545569E1-6972-B140-E8C8-CC99659DFB8F}"/>
-          </ac:spMkLst>
-        </pc:spChg>
-        <pc:spChg chg="add del mod">
-          <ac:chgData name="Buysse, Sophie" userId="b97a91af-7430-4a7c-b7aa-bedf51cd7b1e" providerId="ADAL" clId="{6B0F7634-5223-4B4C-A449-3A9BCFA03F55}" dt="2025-09-17T17:29:45.027" v="142" actId="20577"/>
-          <ac:spMkLst>
-            <pc:docMk/>
-            <pc:sldMk cId="2286911470" sldId="258"/>
-            <ac:spMk id="13" creationId="{F4B561C8-EB02-2887-F85F-02C9A59CEF04}"/>
-          </ac:spMkLst>
-        </pc:spChg>
-        <pc:spChg chg="mod">
-          <ac:chgData name="Buysse, Sophie" userId="b97a91af-7430-4a7c-b7aa-bedf51cd7b1e" providerId="ADAL" clId="{6B0F7634-5223-4B4C-A449-3A9BCFA03F55}" dt="2025-09-17T17:29:39.970" v="140" actId="20577"/>
-          <ac:spMkLst>
-            <pc:docMk/>
-            <pc:sldMk cId="2286911470" sldId="258"/>
-            <ac:spMk id="14" creationId="{83C990FE-AE61-217B-4D3A-D97531231F67}"/>
-          </ac:spMkLst>
-        </pc:spChg>
-        <pc:picChg chg="add del mod">
-          <ac:chgData name="Buysse, Sophie" userId="b97a91af-7430-4a7c-b7aa-bedf51cd7b1e" providerId="ADAL" clId="{6B0F7634-5223-4B4C-A449-3A9BCFA03F55}" dt="2025-09-17T17:52:43.708" v="151" actId="478"/>
-          <ac:picMkLst>
-            <pc:docMk/>
-            <pc:sldMk cId="2286911470" sldId="258"/>
-            <ac:picMk id="9" creationId="{0589D684-6A95-4409-A2AA-4E3DF39FC020}"/>
-          </ac:picMkLst>
-        </pc:picChg>
       </pc:sldChg>
       <pc:sldChg chg="addSp modSp del mod">
         <pc:chgData name="Buysse, Sophie" userId="b97a91af-7430-4a7c-b7aa-bedf51cd7b1e" providerId="ADAL" clId="{6B0F7634-5223-4B4C-A449-3A9BCFA03F55}" dt="2025-09-17T17:31:05.733" v="145" actId="47"/>
@@ -288,171 +200,42 @@
           <pc:docMk/>
           <pc:sldMk cId="881087358" sldId="259"/>
         </pc:sldMkLst>
-        <pc:spChg chg="mod">
-          <ac:chgData name="Buysse, Sophie" userId="b97a91af-7430-4a7c-b7aa-bedf51cd7b1e" providerId="ADAL" clId="{6B0F7634-5223-4B4C-A449-3A9BCFA03F55}" dt="2025-09-17T17:27:57.496" v="121" actId="164"/>
-          <ac:spMkLst>
-            <pc:docMk/>
-            <pc:sldMk cId="881087358" sldId="259"/>
-            <ac:spMk id="2" creationId="{0C1DE483-AA11-18F5-CFA4-5B5739958D4F}"/>
-          </ac:spMkLst>
-        </pc:spChg>
-        <pc:spChg chg="mod">
-          <ac:chgData name="Buysse, Sophie" userId="b97a91af-7430-4a7c-b7aa-bedf51cd7b1e" providerId="ADAL" clId="{6B0F7634-5223-4B4C-A449-3A9BCFA03F55}" dt="2025-09-17T17:28:49.033" v="131" actId="113"/>
-          <ac:spMkLst>
-            <pc:docMk/>
-            <pc:sldMk cId="881087358" sldId="259"/>
-            <ac:spMk id="11" creationId="{FF9A1E43-881E-270B-42C8-94D089378ABF}"/>
-          </ac:spMkLst>
-        </pc:spChg>
-        <pc:spChg chg="mod">
-          <ac:chgData name="Buysse, Sophie" userId="b97a91af-7430-4a7c-b7aa-bedf51cd7b1e" providerId="ADAL" clId="{6B0F7634-5223-4B4C-A449-3A9BCFA03F55}" dt="2025-09-17T17:28:52.563" v="132" actId="113"/>
-          <ac:spMkLst>
-            <pc:docMk/>
-            <pc:sldMk cId="881087358" sldId="259"/>
-            <ac:spMk id="12" creationId="{263107E1-2A18-01AA-80A4-AF2715C44083}"/>
-          </ac:spMkLst>
-        </pc:spChg>
-        <pc:spChg chg="mod">
-          <ac:chgData name="Buysse, Sophie" userId="b97a91af-7430-4a7c-b7aa-bedf51cd7b1e" providerId="ADAL" clId="{6B0F7634-5223-4B4C-A449-3A9BCFA03F55}" dt="2025-09-17T17:28:45.671" v="130" actId="113"/>
-          <ac:spMkLst>
-            <pc:docMk/>
-            <pc:sldMk cId="881087358" sldId="259"/>
-            <ac:spMk id="13" creationId="{75D2DF21-FBD9-8993-5016-D3863C6124D8}"/>
-          </ac:spMkLst>
-        </pc:spChg>
-        <pc:spChg chg="mod">
-          <ac:chgData name="Buysse, Sophie" userId="b97a91af-7430-4a7c-b7aa-bedf51cd7b1e" providerId="ADAL" clId="{6B0F7634-5223-4B4C-A449-3A9BCFA03F55}" dt="2025-09-17T17:28:34.055" v="129" actId="113"/>
-          <ac:spMkLst>
-            <pc:docMk/>
-            <pc:sldMk cId="881087358" sldId="259"/>
-            <ac:spMk id="14" creationId="{12AA7865-4C0C-1311-A593-DF5E6B1F86F8}"/>
-          </ac:spMkLst>
-        </pc:spChg>
-        <pc:grpChg chg="add mod">
-          <ac:chgData name="Buysse, Sophie" userId="b97a91af-7430-4a7c-b7aa-bedf51cd7b1e" providerId="ADAL" clId="{6B0F7634-5223-4B4C-A449-3A9BCFA03F55}" dt="2025-09-17T17:28:03.142" v="122" actId="12788"/>
-          <ac:grpSpMkLst>
-            <pc:docMk/>
-            <pc:sldMk cId="881087358" sldId="259"/>
-            <ac:grpSpMk id="4" creationId="{9B3F15C4-D529-DB75-6B8C-8AE379016963}"/>
-          </ac:grpSpMkLst>
-        </pc:grpChg>
-        <pc:picChg chg="mod">
-          <ac:chgData name="Buysse, Sophie" userId="b97a91af-7430-4a7c-b7aa-bedf51cd7b1e" providerId="ADAL" clId="{6B0F7634-5223-4B4C-A449-3A9BCFA03F55}" dt="2025-09-17T17:27:57.496" v="121" actId="164"/>
-          <ac:picMkLst>
-            <pc:docMk/>
-            <pc:sldMk cId="881087358" sldId="259"/>
-            <ac:picMk id="3" creationId="{5506B34F-660C-947B-D63D-85FD8755196D}"/>
-          </ac:picMkLst>
-        </pc:picChg>
       </pc:sldChg>
-      <pc:sldChg chg="addSp delSp modSp add mod">
-        <pc:chgData name="Buysse, Sophie" userId="b97a91af-7430-4a7c-b7aa-bedf51cd7b1e" providerId="ADAL" clId="{6B0F7634-5223-4B4C-A449-3A9BCFA03F55}" dt="2025-09-17T17:54:54.001" v="180" actId="1037"/>
+      <pc:sldChg chg="addSp delSp modSp add del mod">
+        <pc:chgData name="Buysse, Sophie" userId="b97a91af-7430-4a7c-b7aa-bedf51cd7b1e" providerId="ADAL" clId="{6B0F7634-5223-4B4C-A449-3A9BCFA03F55}" dt="2025-10-01T20:09:39.819" v="216" actId="47"/>
         <pc:sldMkLst>
           <pc:docMk/>
           <pc:sldMk cId="2494983960" sldId="259"/>
         </pc:sldMkLst>
-        <pc:spChg chg="mod">
-          <ac:chgData name="Buysse, Sophie" userId="b97a91af-7430-4a7c-b7aa-bedf51cd7b1e" providerId="ADAL" clId="{6B0F7634-5223-4B4C-A449-3A9BCFA03F55}" dt="2025-09-17T17:54:54.001" v="180" actId="1037"/>
-          <ac:spMkLst>
-            <pc:docMk/>
-            <pc:sldMk cId="2494983960" sldId="259"/>
-            <ac:spMk id="2" creationId="{4871A27D-87E2-1FB9-0034-9CC6B5EAD8B0}"/>
-          </ac:spMkLst>
-        </pc:spChg>
-        <pc:spChg chg="mod">
-          <ac:chgData name="Buysse, Sophie" userId="b97a91af-7430-4a7c-b7aa-bedf51cd7b1e" providerId="ADAL" clId="{6B0F7634-5223-4B4C-A449-3A9BCFA03F55}" dt="2025-09-17T17:54:54.001" v="180" actId="1037"/>
-          <ac:spMkLst>
-            <pc:docMk/>
-            <pc:sldMk cId="2494983960" sldId="259"/>
-            <ac:spMk id="4" creationId="{D8128919-0A99-B36C-A289-43A687041541}"/>
-          </ac:spMkLst>
-        </pc:spChg>
-        <pc:spChg chg="mod">
-          <ac:chgData name="Buysse, Sophie" userId="b97a91af-7430-4a7c-b7aa-bedf51cd7b1e" providerId="ADAL" clId="{6B0F7634-5223-4B4C-A449-3A9BCFA03F55}" dt="2025-09-17T17:54:54.001" v="180" actId="1037"/>
-          <ac:spMkLst>
-            <pc:docMk/>
-            <pc:sldMk cId="2494983960" sldId="259"/>
-            <ac:spMk id="5" creationId="{A6F9ABBB-DCEF-D167-AA64-3299D9879855}"/>
-          </ac:spMkLst>
-        </pc:spChg>
-        <pc:spChg chg="mod">
-          <ac:chgData name="Buysse, Sophie" userId="b97a91af-7430-4a7c-b7aa-bedf51cd7b1e" providerId="ADAL" clId="{6B0F7634-5223-4B4C-A449-3A9BCFA03F55}" dt="2025-09-17T17:54:54.001" v="180" actId="1037"/>
-          <ac:spMkLst>
-            <pc:docMk/>
-            <pc:sldMk cId="2494983960" sldId="259"/>
-            <ac:spMk id="7" creationId="{6FCB2F24-C34E-4186-462A-C7589BA85484}"/>
-          </ac:spMkLst>
-        </pc:spChg>
-        <pc:spChg chg="mod">
-          <ac:chgData name="Buysse, Sophie" userId="b97a91af-7430-4a7c-b7aa-bedf51cd7b1e" providerId="ADAL" clId="{6B0F7634-5223-4B4C-A449-3A9BCFA03F55}" dt="2025-09-17T17:54:54.001" v="180" actId="1037"/>
-          <ac:spMkLst>
-            <pc:docMk/>
-            <pc:sldMk cId="2494983960" sldId="259"/>
-            <ac:spMk id="11" creationId="{34BB6DE3-758C-FC73-1DB2-41ABDE148539}"/>
-          </ac:spMkLst>
-        </pc:spChg>
-        <pc:spChg chg="mod">
-          <ac:chgData name="Buysse, Sophie" userId="b97a91af-7430-4a7c-b7aa-bedf51cd7b1e" providerId="ADAL" clId="{6B0F7634-5223-4B4C-A449-3A9BCFA03F55}" dt="2025-09-17T17:54:54.001" v="180" actId="1037"/>
-          <ac:spMkLst>
-            <pc:docMk/>
-            <pc:sldMk cId="2494983960" sldId="259"/>
-            <ac:spMk id="12" creationId="{54CE4811-7F49-7A05-6A65-33603E1CF01F}"/>
-          </ac:spMkLst>
-        </pc:spChg>
-        <pc:spChg chg="mod">
-          <ac:chgData name="Buysse, Sophie" userId="b97a91af-7430-4a7c-b7aa-bedf51cd7b1e" providerId="ADAL" clId="{6B0F7634-5223-4B4C-A449-3A9BCFA03F55}" dt="2025-09-17T17:54:54.001" v="180" actId="1037"/>
-          <ac:spMkLst>
-            <pc:docMk/>
-            <pc:sldMk cId="2494983960" sldId="259"/>
-            <ac:spMk id="13" creationId="{AA45AB9E-DBC1-20C2-5600-12B0DB369DF8}"/>
-          </ac:spMkLst>
-        </pc:spChg>
-        <pc:spChg chg="mod">
-          <ac:chgData name="Buysse, Sophie" userId="b97a91af-7430-4a7c-b7aa-bedf51cd7b1e" providerId="ADAL" clId="{6B0F7634-5223-4B4C-A449-3A9BCFA03F55}" dt="2025-09-17T17:54:54.001" v="180" actId="1037"/>
-          <ac:spMkLst>
-            <pc:docMk/>
-            <pc:sldMk cId="2494983960" sldId="259"/>
-            <ac:spMk id="14" creationId="{1D372573-3271-1907-DA47-AD88B684C1AA}"/>
-          </ac:spMkLst>
-        </pc:spChg>
-        <pc:grpChg chg="add mod ord">
-          <ac:chgData name="Buysse, Sophie" userId="b97a91af-7430-4a7c-b7aa-bedf51cd7b1e" providerId="ADAL" clId="{6B0F7634-5223-4B4C-A449-3A9BCFA03F55}" dt="2025-09-17T17:53:46.491" v="165" actId="167"/>
+      </pc:sldChg>
+      <pc:sldChg chg="addSp delSp modSp add del mod">
+        <pc:chgData name="Buysse, Sophie" userId="b97a91af-7430-4a7c-b7aa-bedf51cd7b1e" providerId="ADAL" clId="{6B0F7634-5223-4B4C-A449-3A9BCFA03F55}" dt="2025-10-01T20:43:57.867" v="417" actId="47"/>
+        <pc:sldMkLst>
+          <pc:docMk/>
+          <pc:sldMk cId="178041562" sldId="260"/>
+        </pc:sldMkLst>
+        <pc:grpChg chg="del">
+          <ac:chgData name="Buysse, Sophie" userId="b97a91af-7430-4a7c-b7aa-bedf51cd7b1e" providerId="ADAL" clId="{6B0F7634-5223-4B4C-A449-3A9BCFA03F55}" dt="2025-10-01T20:05:28.476" v="182" actId="478"/>
           <ac:grpSpMkLst>
             <pc:docMk/>
-            <pc:sldMk cId="2494983960" sldId="259"/>
-            <ac:grpSpMk id="10" creationId="{E6DBD02B-7AA6-7A52-BA26-27135B7F3FFA}"/>
+            <pc:sldMk cId="178041562" sldId="260"/>
+            <ac:grpSpMk id="10" creationId="{92D2F687-A004-AA92-1B1E-608E600E536A}"/>
           </ac:grpSpMkLst>
         </pc:grpChg>
-        <pc:picChg chg="del">
-          <ac:chgData name="Buysse, Sophie" userId="b97a91af-7430-4a7c-b7aa-bedf51cd7b1e" providerId="ADAL" clId="{6B0F7634-5223-4B4C-A449-3A9BCFA03F55}" dt="2025-09-17T17:52:49.377" v="153" actId="478"/>
+        <pc:picChg chg="add mod ord modCrop">
+          <ac:chgData name="Buysse, Sophie" userId="b97a91af-7430-4a7c-b7aa-bedf51cd7b1e" providerId="ADAL" clId="{6B0F7634-5223-4B4C-A449-3A9BCFA03F55}" dt="2025-10-01T20:09:24.288" v="215" actId="1037"/>
           <ac:picMkLst>
             <pc:docMk/>
-            <pc:sldMk cId="2494983960" sldId="259"/>
-            <ac:picMk id="6" creationId="{A16BA770-3648-008A-2DC4-3149CF6A6DD2}"/>
+            <pc:sldMk cId="178041562" sldId="260"/>
+            <ac:picMk id="15" creationId="{03ABC94D-5556-58DF-C5A2-4EB9239ACB40}"/>
           </ac:picMkLst>
         </pc:picChg>
-        <pc:picChg chg="add mod modCrop">
-          <ac:chgData name="Buysse, Sophie" userId="b97a91af-7430-4a7c-b7aa-bedf51cd7b1e" providerId="ADAL" clId="{6B0F7634-5223-4B4C-A449-3A9BCFA03F55}" dt="2025-09-17T17:53:32.481" v="162" actId="164"/>
+        <pc:picChg chg="add mod ord modCrop">
+          <ac:chgData name="Buysse, Sophie" userId="b97a91af-7430-4a7c-b7aa-bedf51cd7b1e" providerId="ADAL" clId="{6B0F7634-5223-4B4C-A449-3A9BCFA03F55}" dt="2025-10-01T20:09:24.288" v="215" actId="1037"/>
           <ac:picMkLst>
             <pc:docMk/>
-            <pc:sldMk cId="2494983960" sldId="259"/>
-            <ac:picMk id="8" creationId="{092925A1-9778-4B64-DA03-87355D8F8F6E}"/>
-          </ac:picMkLst>
-        </pc:picChg>
-        <pc:picChg chg="mod ord modCrop">
-          <ac:chgData name="Buysse, Sophie" userId="b97a91af-7430-4a7c-b7aa-bedf51cd7b1e" providerId="ADAL" clId="{6B0F7634-5223-4B4C-A449-3A9BCFA03F55}" dt="2025-09-17T17:53:43.203" v="164" actId="732"/>
-          <ac:picMkLst>
-            <pc:docMk/>
-            <pc:sldMk cId="2494983960" sldId="259"/>
-            <ac:picMk id="9" creationId="{6D20C6A0-A6AC-A88B-83D5-8B733EA6E4AD}"/>
-          </ac:picMkLst>
-        </pc:picChg>
-        <pc:picChg chg="del">
-          <ac:chgData name="Buysse, Sophie" userId="b97a91af-7430-4a7c-b7aa-bedf51cd7b1e" providerId="ADAL" clId="{6B0F7634-5223-4B4C-A449-3A9BCFA03F55}" dt="2025-09-17T17:52:51.408" v="154" actId="478"/>
-          <ac:picMkLst>
-            <pc:docMk/>
-            <pc:sldMk cId="2494983960" sldId="259"/>
-            <ac:picMk id="15" creationId="{70B43A13-A2AB-168F-773E-DC0403777A82}"/>
+            <pc:sldMk cId="178041562" sldId="260"/>
+            <ac:picMk id="16" creationId="{37BC9B19-0D92-48DC-3FD2-3C25FD33FEAE}"/>
           </ac:picMkLst>
         </pc:picChg>
       </pc:sldChg>
@@ -462,38 +245,100 @@
           <pc:docMk/>
           <pc:sldMk cId="3587344491" sldId="260"/>
         </pc:sldMkLst>
-        <pc:spChg chg="del">
-          <ac:chgData name="Buysse, Sophie" userId="b97a91af-7430-4a7c-b7aa-bedf51cd7b1e" providerId="ADAL" clId="{6B0F7634-5223-4B4C-A449-3A9BCFA03F55}" dt="2025-09-17T17:19:26.662" v="30" actId="478"/>
+      </pc:sldChg>
+      <pc:sldChg chg="addSp modSp add del mod">
+        <pc:chgData name="Buysse, Sophie" userId="b97a91af-7430-4a7c-b7aa-bedf51cd7b1e" providerId="ADAL" clId="{6B0F7634-5223-4B4C-A449-3A9BCFA03F55}" dt="2025-10-01T20:39:53.836" v="382" actId="47"/>
+        <pc:sldMkLst>
+          <pc:docMk/>
+          <pc:sldMk cId="785776456" sldId="261"/>
+        </pc:sldMkLst>
+        <pc:spChg chg="add mod">
+          <ac:chgData name="Buysse, Sophie" userId="b97a91af-7430-4a7c-b7aa-bedf51cd7b1e" providerId="ADAL" clId="{6B0F7634-5223-4B4C-A449-3A9BCFA03F55}" dt="2025-10-01T20:17:48.430" v="336" actId="1036"/>
           <ac:spMkLst>
             <pc:docMk/>
-            <pc:sldMk cId="3587344491" sldId="260"/>
-            <ac:spMk id="2" creationId="{4715305C-5766-3B98-6365-15203DACBA60}"/>
+            <pc:sldMk cId="785776456" sldId="261"/>
+            <ac:spMk id="6" creationId="{C1815D58-BB81-3F06-0A3B-8B9E697B8C0B}"/>
           </ac:spMkLst>
         </pc:spChg>
-        <pc:picChg chg="add del">
-          <ac:chgData name="Buysse, Sophie" userId="b97a91af-7430-4a7c-b7aa-bedf51cd7b1e" providerId="ADAL" clId="{6B0F7634-5223-4B4C-A449-3A9BCFA03F55}" dt="2025-09-17T17:19:24.533" v="29" actId="478"/>
+        <pc:spChg chg="add mod">
+          <ac:chgData name="Buysse, Sophie" userId="b97a91af-7430-4a7c-b7aa-bedf51cd7b1e" providerId="ADAL" clId="{6B0F7634-5223-4B4C-A449-3A9BCFA03F55}" dt="2025-10-01T20:17:48.430" v="336" actId="1036"/>
+          <ac:spMkLst>
+            <pc:docMk/>
+            <pc:sldMk cId="785776456" sldId="261"/>
+            <ac:spMk id="8" creationId="{3F78AD76-7BEA-682D-14F1-44A6EAE1C6CE}"/>
+          </ac:spMkLst>
+        </pc:spChg>
+        <pc:spChg chg="add mod">
+          <ac:chgData name="Buysse, Sophie" userId="b97a91af-7430-4a7c-b7aa-bedf51cd7b1e" providerId="ADAL" clId="{6B0F7634-5223-4B4C-A449-3A9BCFA03F55}" dt="2025-10-01T20:17:48.430" v="336" actId="1036"/>
+          <ac:spMkLst>
+            <pc:docMk/>
+            <pc:sldMk cId="785776456" sldId="261"/>
+            <ac:spMk id="9" creationId="{5E32969D-EF97-0A41-3A16-0900F1B3B581}"/>
+          </ac:spMkLst>
+        </pc:spChg>
+      </pc:sldChg>
+      <pc:sldChg chg="addSp delSp modSp add mod">
+        <pc:chgData name="Buysse, Sophie" userId="b97a91af-7430-4a7c-b7aa-bedf51cd7b1e" providerId="ADAL" clId="{6B0F7634-5223-4B4C-A449-3A9BCFA03F55}" dt="2025-10-01T20:42:57.430" v="416" actId="1037"/>
+        <pc:sldMkLst>
+          <pc:docMk/>
+          <pc:sldMk cId="355371644" sldId="262"/>
+        </pc:sldMkLst>
+        <pc:spChg chg="del">
+          <ac:chgData name="Buysse, Sophie" userId="b97a91af-7430-4a7c-b7aa-bedf51cd7b1e" providerId="ADAL" clId="{6B0F7634-5223-4B4C-A449-3A9BCFA03F55}" dt="2025-10-01T20:29:45.961" v="339" actId="478"/>
+          <ac:spMkLst>
+            <pc:docMk/>
+            <pc:sldMk cId="355371644" sldId="262"/>
+            <ac:spMk id="6" creationId="{DF1C8F1B-DCA8-9F6C-863C-8CED25906DF4}"/>
+          </ac:spMkLst>
+        </pc:spChg>
+        <pc:spChg chg="del">
+          <ac:chgData name="Buysse, Sophie" userId="b97a91af-7430-4a7c-b7aa-bedf51cd7b1e" providerId="ADAL" clId="{6B0F7634-5223-4B4C-A449-3A9BCFA03F55}" dt="2025-10-01T20:29:46.804" v="340" actId="478"/>
+          <ac:spMkLst>
+            <pc:docMk/>
+            <pc:sldMk cId="355371644" sldId="262"/>
+            <ac:spMk id="8" creationId="{E906515E-5C04-3FAB-E444-15A264D7AD02}"/>
+          </ac:spMkLst>
+        </pc:spChg>
+        <pc:spChg chg="del">
+          <ac:chgData name="Buysse, Sophie" userId="b97a91af-7430-4a7c-b7aa-bedf51cd7b1e" providerId="ADAL" clId="{6B0F7634-5223-4B4C-A449-3A9BCFA03F55}" dt="2025-10-01T20:29:47.821" v="341" actId="478"/>
+          <ac:spMkLst>
+            <pc:docMk/>
+            <pc:sldMk cId="355371644" sldId="262"/>
+            <ac:spMk id="9" creationId="{56A976EC-6C1E-7587-6855-3BF81AF7AB41}"/>
+          </ac:spMkLst>
+        </pc:spChg>
+        <pc:picChg chg="del">
+          <ac:chgData name="Buysse, Sophie" userId="b97a91af-7430-4a7c-b7aa-bedf51cd7b1e" providerId="ADAL" clId="{6B0F7634-5223-4B4C-A449-3A9BCFA03F55}" dt="2025-10-01T20:29:41.851" v="338" actId="478"/>
           <ac:picMkLst>
             <pc:docMk/>
-            <pc:sldMk cId="3587344491" sldId="260"/>
-            <ac:picMk id="3" creationId="{7CCCD0CF-A52F-F68F-4C9F-86A17AA587DB}"/>
+            <pc:sldMk cId="355371644" sldId="262"/>
+            <ac:picMk id="16" creationId="{692248D0-8542-6CC8-6B75-D8FD0A51C106}"/>
           </ac:picMkLst>
         </pc:picChg>
-        <pc:cxnChg chg="add mod">
-          <ac:chgData name="Buysse, Sophie" userId="b97a91af-7430-4a7c-b7aa-bedf51cd7b1e" providerId="ADAL" clId="{6B0F7634-5223-4B4C-A449-3A9BCFA03F55}" dt="2025-09-17T17:19:45.105" v="40" actId="14100"/>
-          <ac:cxnSpMkLst>
+        <pc:picChg chg="add del mod">
+          <ac:chgData name="Buysse, Sophie" userId="b97a91af-7430-4a7c-b7aa-bedf51cd7b1e" providerId="ADAL" clId="{6B0F7634-5223-4B4C-A449-3A9BCFA03F55}" dt="2025-10-01T20:33:17.976" v="345" actId="478"/>
+          <ac:picMkLst>
             <pc:docMk/>
-            <pc:sldMk cId="3587344491" sldId="260"/>
-            <ac:cxnSpMk id="5" creationId="{B46D1586-F454-AA16-A5A1-2CA530BD338F}"/>
-          </ac:cxnSpMkLst>
-        </pc:cxnChg>
-        <pc:cxnChg chg="add mod">
-          <ac:chgData name="Buysse, Sophie" userId="b97a91af-7430-4a7c-b7aa-bedf51cd7b1e" providerId="ADAL" clId="{6B0F7634-5223-4B4C-A449-3A9BCFA03F55}" dt="2025-09-17T17:19:52.808" v="42" actId="1076"/>
-          <ac:cxnSpMkLst>
+            <pc:sldMk cId="355371644" sldId="262"/>
+            <ac:picMk id="17" creationId="{775C12AB-F01A-2AED-9C93-260B49E27D55}"/>
+          </ac:picMkLst>
+        </pc:picChg>
+        <pc:picChg chg="add del mod ord modCrop">
+          <ac:chgData name="Buysse, Sophie" userId="b97a91af-7430-4a7c-b7aa-bedf51cd7b1e" providerId="ADAL" clId="{6B0F7634-5223-4B4C-A449-3A9BCFA03F55}" dt="2025-10-01T20:39:47.804" v="381" actId="478"/>
+          <ac:picMkLst>
             <pc:docMk/>
-            <pc:sldMk cId="3587344491" sldId="260"/>
-            <ac:cxnSpMk id="8" creationId="{53CEF965-A11F-2DF6-E106-E1BCC2C9DF58}"/>
-          </ac:cxnSpMkLst>
-        </pc:cxnChg>
+            <pc:sldMk cId="355371644" sldId="262"/>
+            <ac:picMk id="19" creationId="{976624B1-459E-CD74-0569-A4F2186CEC51}"/>
+          </ac:picMkLst>
+        </pc:picChg>
+        <pc:picChg chg="add mod ord modCrop">
+          <ac:chgData name="Buysse, Sophie" userId="b97a91af-7430-4a7c-b7aa-bedf51cd7b1e" providerId="ADAL" clId="{6B0F7634-5223-4B4C-A449-3A9BCFA03F55}" dt="2025-10-01T20:42:57.430" v="416" actId="1037"/>
+          <ac:picMkLst>
+            <pc:docMk/>
+            <pc:sldMk cId="355371644" sldId="262"/>
+            <ac:picMk id="21" creationId="{54DBB790-DDAC-02FD-74AB-B11B7516A32C}"/>
+          </ac:picMkLst>
+        </pc:picChg>
       </pc:sldChg>
     </pc:docChg>
   </pc:docChgLst>
@@ -582,7 +427,7 @@
           <a:p>
             <a:fld id="{FCE280AA-0C2A-4069-A119-BDCC5239DA71}" type="datetimeFigureOut">
               <a:rPr lang="en-US" smtClean="0"/>
-              <a:t>9/17/2025</a:t>
+              <a:t>10/1/2025</a:t>
             </a:fld>
             <a:endParaRPr lang="en-US"/>
           </a:p>
@@ -980,7 +825,7 @@
           <a:p>
             <a:fld id="{87EB6CD3-722C-4BDC-806F-3D55B801620C}" type="datetimeFigureOut">
               <a:rPr lang="en-US" smtClean="0"/>
-              <a:t>9/17/2025</a:t>
+              <a:t>10/1/2025</a:t>
             </a:fld>
             <a:endParaRPr lang="en-US"/>
           </a:p>
@@ -1150,7 +995,7 @@
           <a:p>
             <a:fld id="{87EB6CD3-722C-4BDC-806F-3D55B801620C}" type="datetimeFigureOut">
               <a:rPr lang="en-US" smtClean="0"/>
-              <a:t>9/17/2025</a:t>
+              <a:t>10/1/2025</a:t>
             </a:fld>
             <a:endParaRPr lang="en-US"/>
           </a:p>
@@ -1330,7 +1175,7 @@
           <a:p>
             <a:fld id="{87EB6CD3-722C-4BDC-806F-3D55B801620C}" type="datetimeFigureOut">
               <a:rPr lang="en-US" smtClean="0"/>
-              <a:t>9/17/2025</a:t>
+              <a:t>10/1/2025</a:t>
             </a:fld>
             <a:endParaRPr lang="en-US"/>
           </a:p>
@@ -1500,7 +1345,7 @@
           <a:p>
             <a:fld id="{87EB6CD3-722C-4BDC-806F-3D55B801620C}" type="datetimeFigureOut">
               <a:rPr lang="en-US" smtClean="0"/>
-              <a:t>9/17/2025</a:t>
+              <a:t>10/1/2025</a:t>
             </a:fld>
             <a:endParaRPr lang="en-US"/>
           </a:p>
@@ -1746,7 +1591,7 @@
           <a:p>
             <a:fld id="{87EB6CD3-722C-4BDC-806F-3D55B801620C}" type="datetimeFigureOut">
               <a:rPr lang="en-US" smtClean="0"/>
-              <a:t>9/17/2025</a:t>
+              <a:t>10/1/2025</a:t>
             </a:fld>
             <a:endParaRPr lang="en-US"/>
           </a:p>
@@ -1978,7 +1823,7 @@
           <a:p>
             <a:fld id="{87EB6CD3-722C-4BDC-806F-3D55B801620C}" type="datetimeFigureOut">
               <a:rPr lang="en-US" smtClean="0"/>
-              <a:t>9/17/2025</a:t>
+              <a:t>10/1/2025</a:t>
             </a:fld>
             <a:endParaRPr lang="en-US"/>
           </a:p>
@@ -2345,7 +2190,7 @@
           <a:p>
             <a:fld id="{87EB6CD3-722C-4BDC-806F-3D55B801620C}" type="datetimeFigureOut">
               <a:rPr lang="en-US" smtClean="0"/>
-              <a:t>9/17/2025</a:t>
+              <a:t>10/1/2025</a:t>
             </a:fld>
             <a:endParaRPr lang="en-US"/>
           </a:p>
@@ -2463,7 +2308,7 @@
           <a:p>
             <a:fld id="{87EB6CD3-722C-4BDC-806F-3D55B801620C}" type="datetimeFigureOut">
               <a:rPr lang="en-US" smtClean="0"/>
-              <a:t>9/17/2025</a:t>
+              <a:t>10/1/2025</a:t>
             </a:fld>
             <a:endParaRPr lang="en-US"/>
           </a:p>
@@ -2558,7 +2403,7 @@
           <a:p>
             <a:fld id="{87EB6CD3-722C-4BDC-806F-3D55B801620C}" type="datetimeFigureOut">
               <a:rPr lang="en-US" smtClean="0"/>
-              <a:t>9/17/2025</a:t>
+              <a:t>10/1/2025</a:t>
             </a:fld>
             <a:endParaRPr lang="en-US"/>
           </a:p>
@@ -2835,7 +2680,7 @@
           <a:p>
             <a:fld id="{87EB6CD3-722C-4BDC-806F-3D55B801620C}" type="datetimeFigureOut">
               <a:rPr lang="en-US" smtClean="0"/>
-              <a:t>9/17/2025</a:t>
+              <a:t>10/1/2025</a:t>
             </a:fld>
             <a:endParaRPr lang="en-US"/>
           </a:p>
@@ -3092,7 +2937,7 @@
           <a:p>
             <a:fld id="{87EB6CD3-722C-4BDC-806F-3D55B801620C}" type="datetimeFigureOut">
               <a:rPr lang="en-US" smtClean="0"/>
-              <a:t>9/17/2025</a:t>
+              <a:t>10/1/2025</a:t>
             </a:fld>
             <a:endParaRPr lang="en-US"/>
           </a:p>
@@ -3305,7 +3150,7 @@
           <a:p>
             <a:fld id="{87EB6CD3-722C-4BDC-806F-3D55B801620C}" type="datetimeFigureOut">
               <a:rPr lang="en-US" smtClean="0"/>
-              <a:t>9/17/2025</a:t>
+              <a:t>10/1/2025</a:t>
             </a:fld>
             <a:endParaRPr lang="en-US"/>
           </a:p>
@@ -3701,7 +3546,7 @@
         <p:cNvPr id="1" name="">
           <a:extLst>
             <a:ext uri="{FF2B5EF4-FFF2-40B4-BE49-F238E27FC236}">
-              <a16:creationId xmlns:a16="http://schemas.microsoft.com/office/drawing/2014/main" id="{AF8A858D-A4FA-1943-568C-971BD9DFA79D}"/>
+              <a16:creationId xmlns:a16="http://schemas.microsoft.com/office/drawing/2014/main" id="{334B23A6-BFC1-0122-473C-7EB31B20DEE3}"/>
             </a:ext>
           </a:extLst>
         </p:cNvPr>
@@ -3716,107 +3561,86 @@
           <a:chExt cx="0" cy="0"/>
         </a:xfrm>
       </p:grpSpPr>
-      <p:grpSp>
-        <p:nvGrpSpPr>
-          <p:cNvPr id="10" name="Group 9">
+      <p:pic>
+        <p:nvPicPr>
+          <p:cNvPr id="21" name="Picture 20" descr="A diagram of a number of different numbers&#10;&#10;AI-generated content may be incorrect.">
             <a:extLst>
               <a:ext uri="{FF2B5EF4-FFF2-40B4-BE49-F238E27FC236}">
-                <a16:creationId xmlns:a16="http://schemas.microsoft.com/office/drawing/2014/main" id="{E6DBD02B-7AA6-7A52-BA26-27135B7F3FFA}"/>
+                <a16:creationId xmlns:a16="http://schemas.microsoft.com/office/drawing/2014/main" id="{54DBB790-DDAC-02FD-74AB-B11B7516A32C}"/>
               </a:ext>
             </a:extLst>
           </p:cNvPr>
-          <p:cNvGrpSpPr/>
+          <p:cNvPicPr>
+            <a:picLocks noChangeAspect="1"/>
+          </p:cNvPicPr>
           <p:nvPr/>
-        </p:nvGrpSpPr>
-        <p:grpSpPr>
+        </p:nvPicPr>
+        <p:blipFill>
+          <a:blip r:embed="rId2">
+            <a:extLst>
+              <a:ext uri="{28A0092B-C50C-407E-A947-70E740481C1C}">
+                <a14:useLocalDpi xmlns:a14="http://schemas.microsoft.com/office/drawing/2010/main" val="0"/>
+              </a:ext>
+            </a:extLst>
+          </a:blip>
+          <a:srcRect l="8600" t="6400"/>
+          <a:stretch>
+            <a:fillRect/>
+          </a:stretch>
+        </p:blipFill>
+        <p:spPr>
           <a:xfrm>
-            <a:off x="42483" y="0"/>
-            <a:ext cx="8712019" cy="6858000"/>
-            <a:chOff x="431980" y="520593"/>
-            <a:chExt cx="8712019" cy="6858000"/>
+            <a:off x="374904" y="438912"/>
+            <a:ext cx="8357616" cy="6419088"/>
           </a:xfrm>
-        </p:grpSpPr>
-        <p:pic>
-          <p:nvPicPr>
-            <p:cNvPr id="9" name="Picture 8" descr="A collage of graphs showing different types of growth&#10;&#10;AI-generated content may be incorrect.">
-              <a:extLst>
-                <a:ext uri="{FF2B5EF4-FFF2-40B4-BE49-F238E27FC236}">
-                  <a16:creationId xmlns:a16="http://schemas.microsoft.com/office/drawing/2014/main" id="{6D20C6A0-A6AC-A88B-83D5-8B733EA6E4AD}"/>
-                </a:ext>
-              </a:extLst>
-            </p:cNvPr>
-            <p:cNvPicPr>
-              <a:picLocks noChangeAspect="1"/>
-            </p:cNvPicPr>
-            <p:nvPr/>
-          </p:nvPicPr>
-          <p:blipFill>
-            <a:blip r:embed="rId2">
-              <a:extLst>
-                <a:ext uri="{28A0092B-C50C-407E-A947-70E740481C1C}">
-                  <a14:useLocalDpi xmlns:a14="http://schemas.microsoft.com/office/drawing/2010/main" val="0"/>
-                </a:ext>
-              </a:extLst>
-            </a:blip>
-            <a:srcRect l="8553" t="5347"/>
-            <a:stretch>
-              <a:fillRect/>
-            </a:stretch>
-          </p:blipFill>
-          <p:spPr>
-            <a:xfrm>
-              <a:off x="782052" y="887297"/>
-              <a:ext cx="8361947" cy="6491296"/>
-            </a:xfrm>
-            <a:prstGeom prst="rect">
-              <a:avLst/>
-            </a:prstGeom>
-          </p:spPr>
-        </p:pic>
-        <p:pic>
-          <p:nvPicPr>
-            <p:cNvPr id="8" name="Picture 7" descr="A collage of graphs showing different types of growth&#10;&#10;AI-generated content may be incorrect.">
-              <a:extLst>
-                <a:ext uri="{FF2B5EF4-FFF2-40B4-BE49-F238E27FC236}">
-                  <a16:creationId xmlns:a16="http://schemas.microsoft.com/office/drawing/2014/main" id="{092925A1-9778-4B64-DA03-87355D8F8F6E}"/>
-                </a:ext>
-              </a:extLst>
-            </p:cNvPr>
-            <p:cNvPicPr>
-              <a:picLocks noChangeAspect="1"/>
-            </p:cNvPicPr>
-            <p:nvPr/>
-          </p:nvPicPr>
-          <p:blipFill>
-            <a:blip r:embed="rId2">
-              <a:extLst>
-                <a:ext uri="{28A0092B-C50C-407E-A947-70E740481C1C}">
-                  <a14:useLocalDpi xmlns:a14="http://schemas.microsoft.com/office/drawing/2010/main" val="0"/>
-                </a:ext>
-              </a:extLst>
-            </a:blip>
-            <a:srcRect r="96205"/>
-            <a:stretch>
-              <a:fillRect/>
-            </a:stretch>
-          </p:blipFill>
-          <p:spPr>
-            <a:xfrm>
-              <a:off x="431980" y="520593"/>
-              <a:ext cx="347042" cy="6858000"/>
-            </a:xfrm>
-            <a:prstGeom prst="rect">
-              <a:avLst/>
-            </a:prstGeom>
-          </p:spPr>
-        </p:pic>
-      </p:grpSp>
+          <a:prstGeom prst="rect">
+            <a:avLst/>
+          </a:prstGeom>
+        </p:spPr>
+      </p:pic>
+      <p:pic>
+        <p:nvPicPr>
+          <p:cNvPr id="15" name="Picture 14" descr="A collage of graphs showing different types of growth&#10;&#10;AI-generated content may be incorrect.">
+            <a:extLst>
+              <a:ext uri="{FF2B5EF4-FFF2-40B4-BE49-F238E27FC236}">
+                <a16:creationId xmlns:a16="http://schemas.microsoft.com/office/drawing/2014/main" id="{A25B0E67-08AC-FC2E-51EC-37710E419E18}"/>
+              </a:ext>
+            </a:extLst>
+          </p:cNvPr>
+          <p:cNvPicPr>
+            <a:picLocks noChangeAspect="1"/>
+          </p:cNvPicPr>
+          <p:nvPr/>
+        </p:nvPicPr>
+        <p:blipFill>
+          <a:blip r:embed="rId3">
+            <a:extLst>
+              <a:ext uri="{28A0092B-C50C-407E-A947-70E740481C1C}">
+                <a14:useLocalDpi xmlns:a14="http://schemas.microsoft.com/office/drawing/2010/main" val="0"/>
+              </a:ext>
+            </a:extLst>
+          </a:blip>
+          <a:srcRect t="6400" r="96500"/>
+          <a:stretch>
+            <a:fillRect/>
+          </a:stretch>
+        </p:blipFill>
+        <p:spPr>
+          <a:xfrm>
+            <a:off x="91440" y="438912"/>
+            <a:ext cx="320040" cy="6419088"/>
+          </a:xfrm>
+          <a:prstGeom prst="rect">
+            <a:avLst/>
+          </a:prstGeom>
+        </p:spPr>
+      </p:pic>
       <p:sp>
         <p:nvSpPr>
           <p:cNvPr id="11" name="TextBox 10">
             <a:extLst>
               <a:ext uri="{FF2B5EF4-FFF2-40B4-BE49-F238E27FC236}">
-                <a16:creationId xmlns:a16="http://schemas.microsoft.com/office/drawing/2014/main" id="{34BB6DE3-758C-FC73-1DB2-41ABDE148539}"/>
+                <a16:creationId xmlns:a16="http://schemas.microsoft.com/office/drawing/2014/main" id="{6367C0AB-6027-5010-F065-6523F47FE361}"/>
               </a:ext>
             </a:extLst>
           </p:cNvPr>
@@ -3879,7 +3703,7 @@
           <p:cNvPr id="12" name="TextBox 11">
             <a:extLst>
               <a:ext uri="{FF2B5EF4-FFF2-40B4-BE49-F238E27FC236}">
-                <a16:creationId xmlns:a16="http://schemas.microsoft.com/office/drawing/2014/main" id="{54CE4811-7F49-7A05-6A65-33603E1CF01F}"/>
+                <a16:creationId xmlns:a16="http://schemas.microsoft.com/office/drawing/2014/main" id="{E6FE6223-9934-F480-6C80-31919A739C18}"/>
               </a:ext>
             </a:extLst>
           </p:cNvPr>
@@ -3942,7 +3766,7 @@
           <p:cNvPr id="13" name="TextBox 12">
             <a:extLst>
               <a:ext uri="{FF2B5EF4-FFF2-40B4-BE49-F238E27FC236}">
-                <a16:creationId xmlns:a16="http://schemas.microsoft.com/office/drawing/2014/main" id="{AA45AB9E-DBC1-20C2-5600-12B0DB369DF8}"/>
+                <a16:creationId xmlns:a16="http://schemas.microsoft.com/office/drawing/2014/main" id="{CFC5C9F0-3255-D359-54BA-1C0DF7AD886D}"/>
               </a:ext>
             </a:extLst>
           </p:cNvPr>
@@ -4005,7 +3829,7 @@
           <p:cNvPr id="14" name="TextBox 13">
             <a:extLst>
               <a:ext uri="{FF2B5EF4-FFF2-40B4-BE49-F238E27FC236}">
-                <a16:creationId xmlns:a16="http://schemas.microsoft.com/office/drawing/2014/main" id="{1D372573-3271-1907-DA47-AD88B684C1AA}"/>
+                <a16:creationId xmlns:a16="http://schemas.microsoft.com/office/drawing/2014/main" id="{C0AA5B83-6A4F-9D05-F185-9BC3698F581A}"/>
               </a:ext>
             </a:extLst>
           </p:cNvPr>
@@ -4068,7 +3892,7 @@
           <p:cNvPr id="3" name="Picture 2">
             <a:extLst>
               <a:ext uri="{FF2B5EF4-FFF2-40B4-BE49-F238E27FC236}">
-                <a16:creationId xmlns:a16="http://schemas.microsoft.com/office/drawing/2014/main" id="{3A16E194-63D9-6ECC-69F2-6327F0A8EDE2}"/>
+                <a16:creationId xmlns:a16="http://schemas.microsoft.com/office/drawing/2014/main" id="{C5199D51-AADF-25CC-C844-0CE7C69E3EC8}"/>
               </a:ext>
             </a:extLst>
           </p:cNvPr>
@@ -4078,7 +3902,7 @@
           <p:nvPr/>
         </p:nvPicPr>
         <p:blipFill>
-          <a:blip r:embed="rId3">
+          <a:blip r:embed="rId4">
             <a:extLst>
               <a:ext uri="{28A0092B-C50C-407E-A947-70E740481C1C}">
                 <a14:useLocalDpi xmlns:a14="http://schemas.microsoft.com/office/drawing/2010/main" val="0"/>
@@ -4104,7 +3928,7 @@
           <p:cNvPr id="2" name="Rectangle 1">
             <a:extLst>
               <a:ext uri="{FF2B5EF4-FFF2-40B4-BE49-F238E27FC236}">
-                <a16:creationId xmlns:a16="http://schemas.microsoft.com/office/drawing/2014/main" id="{4871A27D-87E2-1FB9-0034-9CC6B5EAD8B0}"/>
+                <a16:creationId xmlns:a16="http://schemas.microsoft.com/office/drawing/2014/main" id="{A4C873AB-C728-CAA5-219B-B44CC86B53D4}"/>
               </a:ext>
             </a:extLst>
           </p:cNvPr>
@@ -4163,7 +3987,7 @@
           <p:cNvPr id="4" name="Rectangle 3">
             <a:extLst>
               <a:ext uri="{FF2B5EF4-FFF2-40B4-BE49-F238E27FC236}">
-                <a16:creationId xmlns:a16="http://schemas.microsoft.com/office/drawing/2014/main" id="{D8128919-0A99-B36C-A289-43A687041541}"/>
+                <a16:creationId xmlns:a16="http://schemas.microsoft.com/office/drawing/2014/main" id="{1DB3F517-D6C2-B82A-7CEA-D8E48250AA0B}"/>
               </a:ext>
             </a:extLst>
           </p:cNvPr>
@@ -4222,7 +4046,7 @@
           <p:cNvPr id="5" name="Rectangle 4">
             <a:extLst>
               <a:ext uri="{FF2B5EF4-FFF2-40B4-BE49-F238E27FC236}">
-                <a16:creationId xmlns:a16="http://schemas.microsoft.com/office/drawing/2014/main" id="{A6F9ABBB-DCEF-D167-AA64-3299D9879855}"/>
+                <a16:creationId xmlns:a16="http://schemas.microsoft.com/office/drawing/2014/main" id="{373028B8-3D48-674C-EF1B-140D1AA4EB9F}"/>
               </a:ext>
             </a:extLst>
           </p:cNvPr>
@@ -4281,7 +4105,7 @@
           <p:cNvPr id="7" name="Rectangle 6">
             <a:extLst>
               <a:ext uri="{FF2B5EF4-FFF2-40B4-BE49-F238E27FC236}">
-                <a16:creationId xmlns:a16="http://schemas.microsoft.com/office/drawing/2014/main" id="{6FCB2F24-C34E-4186-462A-C7589BA85484}"/>
+                <a16:creationId xmlns:a16="http://schemas.microsoft.com/office/drawing/2014/main" id="{11471585-E3D5-1D58-D7D6-7809D714B5DA}"/>
               </a:ext>
             </a:extLst>
           </p:cNvPr>
@@ -4338,7 +4162,7 @@
     </p:spTree>
     <p:extLst>
       <p:ext uri="{BB962C8B-B14F-4D97-AF65-F5344CB8AC3E}">
-        <p14:creationId xmlns:p14="http://schemas.microsoft.com/office/powerpoint/2010/main" val="2494983960"/>
+        <p14:creationId xmlns:p14="http://schemas.microsoft.com/office/powerpoint/2010/main" val="355371644"/>
       </p:ext>
     </p:extLst>
   </p:cSld>
